--- a/module14-handling-mismatches/counting-mismatches.pptx
+++ b/module14-handling-mismatches/counting-mismatches.pptx
@@ -5,7 +5,7 @@
     <p:sldMasterId id="2147483648" r:id="rId1"/>
   </p:sldMasterIdLst>
   <p:notesMasterIdLst>
-    <p:NotesMasterId r:id="rId23"/>
+    <p:NotesMasterId r:id="rId22"/>
   </p:notesMasterIdLst>
   <p:sldIdLst>
     <p:sldId id="256" r:id="rId2"/>
@@ -28,7 +28,6 @@
     <p:sldId id="273" r:id="rId19"/>
     <p:sldId id="274" r:id="rId20"/>
     <p:sldId id="275" r:id="rId21"/>
-    <p:sldId id="276" r:id="rId22"/>
   </p:sldIdLst>
   <p:sldSz cx="9144000" cy="6858000" type="screen4x3"/>
   <p:notesSz cx="6858000" cy="9144000"/>
@@ -545,7 +544,47 @@
             </a:pPr>
             <a:r>
               <a:rPr/>
-              <a:t>In</a:t>
+              <a:t>The</a:t>
+            </a:r>
+            <a:r>
+              <a:rPr/>
+              <a:t> </a:t>
+            </a:r>
+            <a:r>
+              <a:rPr/>
+              <a:t>examples</a:t>
+            </a:r>
+            <a:r>
+              <a:rPr/>
+              <a:t> </a:t>
+            </a:r>
+            <a:r>
+              <a:rPr/>
+              <a:t>shown</a:t>
+            </a:r>
+            <a:r>
+              <a:rPr/>
+              <a:t> </a:t>
+            </a:r>
+            <a:r>
+              <a:rPr/>
+              <a:t>here</a:t>
+            </a:r>
+            <a:r>
+              <a:rPr/>
+              <a:t> </a:t>
+            </a:r>
+            <a:r>
+              <a:rPr/>
+              <a:t>will</a:t>
+            </a:r>
+            <a:r>
+              <a:rPr/>
+              <a:t> </a:t>
+            </a:r>
+            <a:r>
+              <a:rPr/>
+              <a:t>use</a:t>
             </a:r>
             <a:r>
               <a:rPr/>
@@ -561,103 +600,71 @@
             </a:r>
             <a:r>
               <a:rPr/>
-              <a:t>previous</a:t>
-            </a:r>
-            <a:r>
-              <a:rPr/>
-              <a:t> </a:t>
-            </a:r>
-            <a:r>
-              <a:rPr/>
-              <a:t>lecture,</a:t>
-            </a:r>
-            <a:r>
-              <a:rPr/>
-              <a:t> </a:t>
-            </a:r>
-            <a:r>
-              <a:rPr/>
-              <a:t>I</a:t>
-            </a:r>
-            <a:r>
-              <a:rPr/>
-              <a:t> </a:t>
-            </a:r>
-            <a:r>
-              <a:rPr/>
-              <a:t>showed</a:t>
-            </a:r>
-            <a:r>
-              <a:rPr/>
-              <a:t> </a:t>
-            </a:r>
-            <a:r>
-              <a:rPr/>
-              <a:t>that</a:t>
-            </a:r>
-            <a:r>
-              <a:rPr/>
-              <a:t> </a:t>
-            </a:r>
-            <a:r>
-              <a:rPr/>
-              <a:t>there</a:t>
-            </a:r>
-            <a:r>
-              <a:rPr/>
-              <a:t> </a:t>
-            </a:r>
-            <a:r>
-              <a:rPr/>
-              <a:t>are</a:t>
-            </a:r>
-            <a:r>
-              <a:rPr/>
-              <a:t> </a:t>
-            </a:r>
-            <a:r>
-              <a:rPr/>
-              <a:t>two</a:t>
-            </a:r>
-            <a:r>
-              <a:rPr/>
-              <a:t> </a:t>
-            </a:r>
-            <a:r>
-              <a:rPr/>
-              <a:t>ways</a:t>
-            </a:r>
-            <a:r>
-              <a:rPr/>
-              <a:t> </a:t>
-            </a:r>
-            <a:r>
-              <a:rPr/>
-              <a:t>to</a:t>
-            </a:r>
-            <a:r>
-              <a:rPr/>
-              <a:t> </a:t>
-            </a:r>
-            <a:r>
-              <a:rPr/>
-              <a:t>account</a:t>
-            </a:r>
-            <a:r>
-              <a:rPr/>
-              <a:t> </a:t>
-            </a:r>
-            <a:r>
-              <a:rPr/>
-              <a:t>for</a:t>
-            </a:r>
-            <a:r>
-              <a:rPr/>
-              <a:t> </a:t>
-            </a:r>
-            <a:r>
-              <a:rPr/>
-              <a:t>mismatches</a:t>
+              <a:t>database</a:t>
+            </a:r>
+            <a:r>
+              <a:rPr/>
+              <a:t> </a:t>
+            </a:r>
+            <a:r>
+              <a:rPr/>
+              <a:t>longitudinal_examples_db.</a:t>
+            </a:r>
+            <a:r>
+              <a:rPr/>
+              <a:t> </a:t>
+            </a:r>
+            <a:r>
+              <a:rPr/>
+              <a:t>Here</a:t>
+            </a:r>
+            <a:r>
+              <a:rPr/>
+              <a:t> </a:t>
+            </a:r>
+            <a:r>
+              <a:rPr/>
+              <a:t>is</a:t>
+            </a:r>
+            <a:r>
+              <a:rPr/>
+              <a:t> </a:t>
+            </a:r>
+            <a:r>
+              <a:rPr/>
+              <a:t>a</a:t>
+            </a:r>
+            <a:r>
+              <a:rPr/>
+              <a:t> </a:t>
+            </a:r>
+            <a:r>
+              <a:rPr/>
+              <a:t>list</a:t>
+            </a:r>
+            <a:r>
+              <a:rPr/>
+              <a:t> </a:t>
+            </a:r>
+            <a:r>
+              <a:rPr/>
+              <a:t>of</a:t>
+            </a:r>
+            <a:r>
+              <a:rPr/>
+              <a:t> </a:t>
+            </a:r>
+            <a:r>
+              <a:rPr/>
+              <a:t>the</a:t>
+            </a:r>
+            <a:r>
+              <a:rPr/>
+              <a:t> </a:t>
+            </a:r>
+            <a:r>
+              <a:rPr/>
+              <a:t>tables</a:t>
             </a:r>
             <a:r>
               <a:rPr/>
@@ -673,588 +680,6 @@
             </a:r>
             <a:r>
               <a:rPr/>
-              <a:t>a</a:t>
-            </a:r>
-            <a:r>
-              <a:rPr/>
-              <a:t> </a:t>
-            </a:r>
-            <a:r>
-              <a:rPr/>
-              <a:t>join.</a:t>
-            </a:r>
-            <a:r>
-              <a:rPr/>
-              <a:t> </a:t>
-            </a:r>
-            <a:r>
-              <a:rPr/>
-              <a:t>The</a:t>
-            </a:r>
-            <a:r>
-              <a:rPr/>
-              <a:t> </a:t>
-            </a:r>
-            <a:r>
-              <a:rPr/>
-              <a:t>inner</a:t>
-            </a:r>
-            <a:r>
-              <a:rPr/>
-              <a:t> </a:t>
-            </a:r>
-            <a:r>
-              <a:rPr/>
-              <a:t>join</a:t>
-            </a:r>
-            <a:r>
-              <a:rPr/>
-              <a:t> </a:t>
-            </a:r>
-            <a:r>
-              <a:rPr/>
-              <a:t>discards</a:t>
-            </a:r>
-            <a:r>
-              <a:rPr/>
-              <a:t> </a:t>
-            </a:r>
-            <a:r>
-              <a:rPr/>
-              <a:t>any</a:t>
-            </a:r>
-            <a:r>
-              <a:rPr/>
-              <a:t> </a:t>
-            </a:r>
-            <a:r>
-              <a:rPr/>
-              <a:t>records</a:t>
-            </a:r>
-            <a:r>
-              <a:rPr/>
-              <a:t> </a:t>
-            </a:r>
-            <a:r>
-              <a:rPr/>
-              <a:t>where</a:t>
-            </a:r>
-            <a:r>
-              <a:rPr/>
-              <a:t> </a:t>
-            </a:r>
-            <a:r>
-              <a:rPr/>
-              <a:t>you</a:t>
-            </a:r>
-            <a:r>
-              <a:rPr/>
-              <a:t> </a:t>
-            </a:r>
-            <a:r>
-              <a:rPr/>
-              <a:t>cannot</a:t>
-            </a:r>
-            <a:r>
-              <a:rPr/>
-              <a:t> </a:t>
-            </a:r>
-            <a:r>
-              <a:rPr/>
-              <a:t>find</a:t>
-            </a:r>
-            <a:r>
-              <a:rPr/>
-              <a:t> </a:t>
-            </a:r>
-            <a:r>
-              <a:rPr/>
-              <a:t>a</a:t>
-            </a:r>
-            <a:r>
-              <a:rPr/>
-              <a:t> </a:t>
-            </a:r>
-            <a:r>
-              <a:rPr/>
-              <a:t>match</a:t>
-            </a:r>
-            <a:r>
-              <a:rPr/>
-              <a:t> </a:t>
-            </a:r>
-            <a:r>
-              <a:rPr/>
-              <a:t>between</a:t>
-            </a:r>
-            <a:r>
-              <a:rPr/>
-              <a:t> </a:t>
-            </a:r>
-            <a:r>
-              <a:rPr/>
-              <a:t>the</a:t>
-            </a:r>
-            <a:r>
-              <a:rPr/>
-              <a:t> </a:t>
-            </a:r>
-            <a:r>
-              <a:rPr/>
-              <a:t>two</a:t>
-            </a:r>
-            <a:r>
-              <a:rPr/>
-              <a:t> </a:t>
-            </a:r>
-            <a:r>
-              <a:rPr/>
-              <a:t>tables.</a:t>
-            </a:r>
-            <a:r>
-              <a:rPr/>
-              <a:t> </a:t>
-            </a:r>
-            <a:r>
-              <a:rPr/>
-              <a:t>The</a:t>
-            </a:r>
-            <a:r>
-              <a:rPr/>
-              <a:t> </a:t>
-            </a:r>
-            <a:r>
-              <a:rPr/>
-              <a:t>left,</a:t>
-            </a:r>
-            <a:r>
-              <a:rPr/>
-              <a:t> </a:t>
-            </a:r>
-            <a:r>
-              <a:rPr/>
-              <a:t>right,</a:t>
-            </a:r>
-            <a:r>
-              <a:rPr/>
-              <a:t> </a:t>
-            </a:r>
-            <a:r>
-              <a:rPr/>
-              <a:t>and</a:t>
-            </a:r>
-            <a:r>
-              <a:rPr/>
-              <a:t> </a:t>
-            </a:r>
-            <a:r>
-              <a:rPr/>
-              <a:t>outer</a:t>
-            </a:r>
-            <a:r>
-              <a:rPr/>
-              <a:t> </a:t>
-            </a:r>
-            <a:r>
-              <a:rPr/>
-              <a:t>join</a:t>
-            </a:r>
-            <a:r>
-              <a:rPr/>
-              <a:t> </a:t>
-            </a:r>
-            <a:r>
-              <a:rPr/>
-              <a:t>will</a:t>
-            </a:r>
-            <a:r>
-              <a:rPr/>
-              <a:t> </a:t>
-            </a:r>
-            <a:r>
-              <a:rPr/>
-              <a:t>include</a:t>
-            </a:r>
-            <a:r>
-              <a:rPr/>
-              <a:t> </a:t>
-            </a:r>
-            <a:r>
-              <a:rPr/>
-              <a:t>mismatches</a:t>
-            </a:r>
-            <a:r>
-              <a:rPr/>
-              <a:t> </a:t>
-            </a:r>
-            <a:r>
-              <a:rPr/>
-              <a:t>and</a:t>
-            </a:r>
-            <a:r>
-              <a:rPr/>
-              <a:t> </a:t>
-            </a:r>
-            <a:r>
-              <a:rPr/>
-              <a:t>add</a:t>
-            </a:r>
-            <a:r>
-              <a:rPr/>
-              <a:t> </a:t>
-            </a:r>
-            <a:r>
-              <a:rPr/>
-              <a:t>null</a:t>
-            </a:r>
-            <a:r>
-              <a:rPr/>
-              <a:t> </a:t>
-            </a:r>
-            <a:r>
-              <a:rPr/>
-              <a:t>values</a:t>
-            </a:r>
-            <a:r>
-              <a:rPr/>
-              <a:t> </a:t>
-            </a:r>
-            <a:r>
-              <a:rPr/>
-              <a:t>as</a:t>
-            </a:r>
-            <a:r>
-              <a:rPr/>
-              <a:t> </a:t>
-            </a:r>
-            <a:r>
-              <a:rPr/>
-              <a:t>needed.</a:t>
-            </a:r>
-          </a:p>
-          <a:p>
-            <a:pPr lvl="0" marL="0" indent="0">
-              <a:buNone/>
-            </a:pPr>
-          </a:p>
-          <a:p>
-            <a:pPr lvl="0" marL="0" indent="0">
-              <a:buNone/>
-            </a:pPr>
-            <a:r>
-              <a:rPr/>
-              <a:t>You</a:t>
-            </a:r>
-            <a:r>
-              <a:rPr/>
-              <a:t> </a:t>
-            </a:r>
-            <a:r>
-              <a:rPr/>
-              <a:t>should</a:t>
-            </a:r>
-            <a:r>
-              <a:rPr/>
-              <a:t> </a:t>
-            </a:r>
-            <a:r>
-              <a:rPr/>
-              <a:t>always</a:t>
-            </a:r>
-            <a:r>
-              <a:rPr/>
-              <a:t> </a:t>
-            </a:r>
-            <a:r>
-              <a:rPr/>
-              <a:t>take</a:t>
-            </a:r>
-            <a:r>
-              <a:rPr/>
-              <a:t> </a:t>
-            </a:r>
-            <a:r>
-              <a:rPr/>
-              <a:t>the</a:t>
-            </a:r>
-            <a:r>
-              <a:rPr/>
-              <a:t> </a:t>
-            </a:r>
-            <a:r>
-              <a:rPr/>
-              <a:t>time</a:t>
-            </a:r>
-            <a:r>
-              <a:rPr/>
-              <a:t> </a:t>
-            </a:r>
-            <a:r>
-              <a:rPr/>
-              <a:t>to</a:t>
-            </a:r>
-            <a:r>
-              <a:rPr/>
-              <a:t> </a:t>
-            </a:r>
-            <a:r>
-              <a:rPr/>
-              <a:t>get</a:t>
-            </a:r>
-            <a:r>
-              <a:rPr/>
-              <a:t> </a:t>
-            </a:r>
-            <a:r>
-              <a:rPr/>
-              <a:t>counts</a:t>
-            </a:r>
-            <a:r>
-              <a:rPr/>
-              <a:t> </a:t>
-            </a:r>
-            <a:r>
-              <a:rPr/>
-              <a:t>before</a:t>
-            </a:r>
-            <a:r>
-              <a:rPr/>
-              <a:t> </a:t>
-            </a:r>
-            <a:r>
-              <a:rPr/>
-              <a:t>and</a:t>
-            </a:r>
-            <a:r>
-              <a:rPr/>
-              <a:t> </a:t>
-            </a:r>
-            <a:r>
-              <a:rPr/>
-              <a:t>after</a:t>
-            </a:r>
-            <a:r>
-              <a:rPr/>
-              <a:t> </a:t>
-            </a:r>
-            <a:r>
-              <a:rPr/>
-              <a:t>a</a:t>
-            </a:r>
-            <a:r>
-              <a:rPr/>
-              <a:t> </a:t>
-            </a:r>
-            <a:r>
-              <a:rPr/>
-              <a:t>join</a:t>
-            </a:r>
-            <a:r>
-              <a:rPr/>
-              <a:t> </a:t>
-            </a:r>
-            <a:r>
-              <a:rPr/>
-              <a:t>to</a:t>
-            </a:r>
-            <a:r>
-              <a:rPr/>
-              <a:t> </a:t>
-            </a:r>
-            <a:r>
-              <a:rPr/>
-              <a:t>help</a:t>
-            </a:r>
-            <a:r>
-              <a:rPr/>
-              <a:t> </a:t>
-            </a:r>
-            <a:r>
-              <a:rPr/>
-              <a:t>assure</a:t>
-            </a:r>
-            <a:r>
-              <a:rPr/>
-              <a:t> </a:t>
-            </a:r>
-            <a:r>
-              <a:rPr/>
-              <a:t>that</a:t>
-            </a:r>
-            <a:r>
-              <a:rPr/>
-              <a:t> </a:t>
-            </a:r>
-            <a:r>
-              <a:rPr/>
-              <a:t>the</a:t>
-            </a:r>
-            <a:r>
-              <a:rPr/>
-              <a:t> </a:t>
-            </a:r>
-            <a:r>
-              <a:rPr/>
-              <a:t>work</a:t>
-            </a:r>
-            <a:r>
-              <a:rPr/>
-              <a:t> </a:t>
-            </a:r>
-            <a:r>
-              <a:rPr/>
-              <a:t>is</a:t>
-            </a:r>
-            <a:r>
-              <a:rPr/>
-              <a:t> </a:t>
-            </a:r>
-            <a:r>
-              <a:rPr/>
-              <a:t>being</a:t>
-            </a:r>
-            <a:r>
-              <a:rPr/>
-              <a:t> </a:t>
-            </a:r>
-            <a:r>
-              <a:rPr/>
-              <a:t>done</a:t>
-            </a:r>
-            <a:r>
-              <a:rPr/>
-              <a:t> </a:t>
-            </a:r>
-            <a:r>
-              <a:rPr/>
-              <a:t>correctly.</a:t>
-            </a:r>
-            <a:r>
-              <a:rPr/>
-              <a:t> </a:t>
-            </a:r>
-            <a:r>
-              <a:rPr/>
-              <a:t>But</a:t>
-            </a:r>
-            <a:r>
-              <a:rPr/>
-              <a:t> </a:t>
-            </a:r>
-            <a:r>
-              <a:rPr/>
-              <a:t>the</a:t>
-            </a:r>
-            <a:r>
-              <a:rPr/>
-              <a:t> </a:t>
-            </a:r>
-            <a:r>
-              <a:rPr/>
-              <a:t>default</a:t>
-            </a:r>
-            <a:r>
-              <a:rPr/>
-              <a:t> </a:t>
-            </a:r>
-            <a:r>
-              <a:rPr/>
-              <a:t>in</a:t>
-            </a:r>
-            <a:r>
-              <a:rPr/>
-              <a:t> </a:t>
-            </a:r>
-            <a:r>
-              <a:rPr/>
-              <a:t>SQL</a:t>
-            </a:r>
-            <a:r>
-              <a:rPr/>
-              <a:t> </a:t>
-            </a:r>
-            <a:r>
-              <a:rPr/>
-              <a:t>is</a:t>
-            </a:r>
-            <a:r>
-              <a:rPr/>
-              <a:t> </a:t>
-            </a:r>
-            <a:r>
-              <a:rPr/>
-              <a:t>to</a:t>
-            </a:r>
-            <a:r>
-              <a:rPr/>
-              <a:t> </a:t>
-            </a:r>
-            <a:r>
-              <a:rPr/>
-              <a:t>calculate</a:t>
-            </a:r>
-            <a:r>
-              <a:rPr/>
-              <a:t> </a:t>
-            </a:r>
-            <a:r>
-              <a:rPr/>
-              <a:t>summary</a:t>
-            </a:r>
-            <a:r>
-              <a:rPr/>
-              <a:t> </a:t>
-            </a:r>
-            <a:r>
-              <a:rPr/>
-              <a:t>statistics</a:t>
-            </a:r>
-            <a:r>
-              <a:rPr/>
-              <a:t> </a:t>
-            </a:r>
-            <a:r>
-              <a:rPr/>
-              <a:t>before</a:t>
-            </a:r>
-            <a:r>
-              <a:rPr/>
-              <a:t> </a:t>
-            </a:r>
-            <a:r>
-              <a:rPr/>
-              <a:t>joining.</a:t>
-            </a:r>
-            <a:r>
-              <a:rPr/>
-              <a:t> </a:t>
-            </a:r>
-            <a:r>
-              <a:rPr/>
-              <a:t>You</a:t>
-            </a:r>
-            <a:r>
-              <a:rPr/>
-              <a:t> </a:t>
-            </a:r>
-            <a:r>
-              <a:rPr/>
-              <a:t>can</a:t>
-            </a:r>
-            <a:r>
-              <a:rPr/>
-              <a:t> </a:t>
-            </a:r>
-            <a:r>
-              <a:rPr/>
-              <a:t>fix</a:t>
-            </a:r>
-            <a:r>
-              <a:rPr/>
-              <a:t> </a:t>
-            </a:r>
-            <a:r>
-              <a:rPr/>
               <a:t>this</a:t>
             </a:r>
             <a:r>
@@ -1263,349 +688,7 @@
             </a:r>
             <a:r>
               <a:rPr/>
-              <a:t>using</a:t>
-            </a:r>
-            <a:r>
-              <a:rPr/>
-              <a:t> </a:t>
-            </a:r>
-            <a:r>
-              <a:rPr/>
-              <a:t>nested</a:t>
-            </a:r>
-            <a:r>
-              <a:rPr/>
-              <a:t> </a:t>
-            </a:r>
-            <a:r>
-              <a:rPr/>
-              <a:t>queries.</a:t>
-            </a:r>
-          </a:p>
-          <a:p>
-            <a:pPr lvl="0" marL="0" indent="0">
-              <a:buNone/>
-            </a:pPr>
-          </a:p>
-          <a:p>
-            <a:pPr lvl="0" marL="0" indent="0">
-              <a:buNone/>
-            </a:pPr>
-            <a:r>
-              <a:rPr/>
-              <a:t>A</a:t>
-            </a:r>
-            <a:r>
-              <a:rPr/>
-              <a:t> </a:t>
-            </a:r>
-            <a:r>
-              <a:rPr/>
-              <a:t>nested</a:t>
-            </a:r>
-            <a:r>
-              <a:rPr/>
-              <a:t> </a:t>
-            </a:r>
-            <a:r>
-              <a:rPr/>
-              <a:t>query</a:t>
-            </a:r>
-            <a:r>
-              <a:rPr/>
-              <a:t> </a:t>
-            </a:r>
-            <a:r>
-              <a:rPr/>
-              <a:t>sounds</a:t>
-            </a:r>
-            <a:r>
-              <a:rPr/>
-              <a:t> </a:t>
-            </a:r>
-            <a:r>
-              <a:rPr/>
-              <a:t>tricky,</a:t>
-            </a:r>
-            <a:r>
-              <a:rPr/>
-              <a:t> </a:t>
-            </a:r>
-            <a:r>
-              <a:rPr/>
-              <a:t>but</a:t>
-            </a:r>
-            <a:r>
-              <a:rPr/>
-              <a:t> </a:t>
-            </a:r>
-            <a:r>
-              <a:rPr/>
-              <a:t>it</a:t>
-            </a:r>
-            <a:r>
-              <a:rPr/>
-              <a:t> </a:t>
-            </a:r>
-            <a:r>
-              <a:rPr/>
-              <a:t>is</a:t>
-            </a:r>
-            <a:r>
-              <a:rPr/>
-              <a:t> </a:t>
-            </a:r>
-            <a:r>
-              <a:rPr/>
-              <a:t>just</a:t>
-            </a:r>
-            <a:r>
-              <a:rPr/>
-              <a:t> </a:t>
-            </a:r>
-            <a:r>
-              <a:rPr/>
-              <a:t>the</a:t>
-            </a:r>
-            <a:r>
-              <a:rPr/>
-              <a:t> </a:t>
-            </a:r>
-            <a:r>
-              <a:rPr/>
-              <a:t>use</a:t>
-            </a:r>
-            <a:r>
-              <a:rPr/>
-              <a:t> </a:t>
-            </a:r>
-            <a:r>
-              <a:rPr/>
-              <a:t>of</a:t>
-            </a:r>
-            <a:r>
-              <a:rPr/>
-              <a:t> </a:t>
-            </a:r>
-            <a:r>
-              <a:rPr/>
-              <a:t>parentheses</a:t>
-            </a:r>
-            <a:r>
-              <a:rPr/>
-              <a:t> </a:t>
-            </a:r>
-            <a:r>
-              <a:rPr/>
-              <a:t>to</a:t>
-            </a:r>
-            <a:r>
-              <a:rPr/>
-              <a:t> </a:t>
-            </a:r>
-            <a:r>
-              <a:rPr/>
-              <a:t>control</a:t>
-            </a:r>
-            <a:r>
-              <a:rPr/>
-              <a:t> </a:t>
-            </a:r>
-            <a:r>
-              <a:rPr/>
-              <a:t>to</a:t>
-            </a:r>
-            <a:r>
-              <a:rPr/>
-              <a:t> </a:t>
-            </a:r>
-            <a:r>
-              <a:rPr/>
-              <a:t>order</a:t>
-            </a:r>
-            <a:r>
-              <a:rPr/>
-              <a:t> </a:t>
-            </a:r>
-            <a:r>
-              <a:rPr/>
-              <a:t>of</a:t>
-            </a:r>
-            <a:r>
-              <a:rPr/>
-              <a:t> </a:t>
-            </a:r>
-            <a:r>
-              <a:rPr/>
-              <a:t>operations.</a:t>
-            </a:r>
-            <a:r>
-              <a:rPr/>
-              <a:t> </a:t>
-            </a:r>
-            <a:r>
-              <a:rPr/>
-              <a:t>You’ll</a:t>
-            </a:r>
-            <a:r>
-              <a:rPr/>
-              <a:t> </a:t>
-            </a:r>
-            <a:r>
-              <a:rPr/>
-              <a:t>see</a:t>
-            </a:r>
-            <a:r>
-              <a:rPr/>
-              <a:t> </a:t>
-            </a:r>
-            <a:r>
-              <a:rPr/>
-              <a:t>a</a:t>
-            </a:r>
-            <a:r>
-              <a:rPr/>
-              <a:t> </a:t>
-            </a:r>
-            <a:r>
-              <a:rPr/>
-              <a:t>few</a:t>
-            </a:r>
-            <a:r>
-              <a:rPr/>
-              <a:t> </a:t>
-            </a:r>
-            <a:r>
-              <a:rPr/>
-              <a:t>basic</a:t>
-            </a:r>
-            <a:r>
-              <a:rPr/>
-              <a:t> </a:t>
-            </a:r>
-            <a:r>
-              <a:rPr/>
-              <a:t>examples</a:t>
-            </a:r>
-            <a:r>
-              <a:rPr/>
-              <a:t> </a:t>
-            </a:r>
-            <a:r>
-              <a:rPr/>
-              <a:t>here,</a:t>
-            </a:r>
-            <a:r>
-              <a:rPr/>
-              <a:t> </a:t>
-            </a:r>
-            <a:r>
-              <a:rPr/>
-              <a:t>but</a:t>
-            </a:r>
-            <a:r>
-              <a:rPr/>
-              <a:t> </a:t>
-            </a:r>
-            <a:r>
-              <a:rPr/>
-              <a:t>there</a:t>
-            </a:r>
-            <a:r>
-              <a:rPr/>
-              <a:t> </a:t>
-            </a:r>
-            <a:r>
-              <a:rPr/>
-              <a:t>are</a:t>
-            </a:r>
-            <a:r>
-              <a:rPr/>
-              <a:t> </a:t>
-            </a:r>
-            <a:r>
-              <a:rPr/>
-              <a:t>lots</a:t>
-            </a:r>
-            <a:r>
-              <a:rPr/>
-              <a:t> </a:t>
-            </a:r>
-            <a:r>
-              <a:rPr/>
-              <a:t>of</a:t>
-            </a:r>
-            <a:r>
-              <a:rPr/>
-              <a:t> </a:t>
-            </a:r>
-            <a:r>
-              <a:rPr/>
-              <a:t>other</a:t>
-            </a:r>
-            <a:r>
-              <a:rPr/>
-              <a:t> </a:t>
-            </a:r>
-            <a:r>
-              <a:rPr/>
-              <a:t>applications</a:t>
-            </a:r>
-            <a:r>
-              <a:rPr/>
-              <a:t> </a:t>
-            </a:r>
-            <a:r>
-              <a:rPr/>
-              <a:t>of</a:t>
-            </a:r>
-            <a:r>
-              <a:rPr/>
-              <a:t> </a:t>
-            </a:r>
-            <a:r>
-              <a:rPr/>
-              <a:t>nested</a:t>
-            </a:r>
-            <a:r>
-              <a:rPr/>
-              <a:t> </a:t>
-            </a:r>
-            <a:r>
-              <a:rPr/>
-              <a:t>queries</a:t>
-            </a:r>
-            <a:r>
-              <a:rPr/>
-              <a:t> </a:t>
-            </a:r>
-            <a:r>
-              <a:rPr/>
-              <a:t>in</a:t>
-            </a:r>
-            <a:r>
-              <a:rPr/>
-              <a:t> </a:t>
-            </a:r>
-            <a:r>
-              <a:rPr/>
-              <a:t>quite</a:t>
-            </a:r>
-            <a:r>
-              <a:rPr/>
-              <a:t> </a:t>
-            </a:r>
-            <a:r>
-              <a:rPr/>
-              <a:t>different</a:t>
-            </a:r>
-            <a:r>
-              <a:rPr/>
-              <a:t> </a:t>
-            </a:r>
-            <a:r>
-              <a:rPr/>
-              <a:t>areas.</a:t>
+              <a:t>database.</a:t>
             </a:r>
           </a:p>
         </p:txBody>
@@ -1687,39 +770,143 @@
             </a:pPr>
             <a:r>
               <a:rPr/>
-              <a:t>If</a:t>
-            </a:r>
-            <a:r>
-              <a:rPr/>
-              <a:t> </a:t>
-            </a:r>
-            <a:r>
-              <a:rPr/>
-              <a:t>you</a:t>
-            </a:r>
-            <a:r>
-              <a:rPr/>
-              <a:t> </a:t>
-            </a:r>
-            <a:r>
-              <a:rPr/>
-              <a:t>want</a:t>
-            </a:r>
-            <a:r>
-              <a:rPr/>
-              <a:t> </a:t>
-            </a:r>
-            <a:r>
-              <a:rPr/>
-              <a:t>a</a:t>
-            </a:r>
-            <a:r>
-              <a:rPr/>
-              <a:t> </a:t>
-            </a:r>
-            <a:r>
-              <a:rPr/>
-              <a:t>list</a:t>
+              <a:t>You</a:t>
+            </a:r>
+            <a:r>
+              <a:rPr/>
+              <a:t> </a:t>
+            </a:r>
+            <a:r>
+              <a:rPr/>
+              <a:t>can</a:t>
+            </a:r>
+            <a:r>
+              <a:rPr/>
+              <a:t> </a:t>
+            </a:r>
+            <a:r>
+              <a:rPr/>
+              <a:t>use</a:t>
+            </a:r>
+            <a:r>
+              <a:rPr/>
+              <a:t> </a:t>
+            </a:r>
+            <a:r>
+              <a:rPr/>
+              <a:t>the</a:t>
+            </a:r>
+            <a:r>
+              <a:rPr/>
+              <a:t> </a:t>
+            </a:r>
+            <a:r>
+              <a:rPr/>
+              <a:t>same</a:t>
+            </a:r>
+            <a:r>
+              <a:rPr/>
+              <a:t> </a:t>
+            </a:r>
+            <a:r>
+              <a:rPr/>
+              <a:t>approach</a:t>
+            </a:r>
+            <a:r>
+              <a:rPr/>
+              <a:t> </a:t>
+            </a:r>
+            <a:r>
+              <a:rPr/>
+              <a:t>to</a:t>
+            </a:r>
+            <a:r>
+              <a:rPr/>
+              <a:t> </a:t>
+            </a:r>
+            <a:r>
+              <a:rPr/>
+              <a:t>look</a:t>
+            </a:r>
+            <a:r>
+              <a:rPr/>
+              <a:t> </a:t>
+            </a:r>
+            <a:r>
+              <a:rPr/>
+              <a:t>for</a:t>
+            </a:r>
+            <a:r>
+              <a:rPr/>
+              <a:t> </a:t>
+            </a:r>
+            <a:r>
+              <a:rPr/>
+              <a:t>unmatched</a:t>
+            </a:r>
+            <a:r>
+              <a:rPr/>
+              <a:t> </a:t>
+            </a:r>
+            <a:r>
+              <a:rPr/>
+              <a:t>labels</a:t>
+            </a:r>
+            <a:r>
+              <a:rPr/>
+              <a:t> </a:t>
+            </a:r>
+            <a:r>
+              <a:rPr/>
+              <a:t>or</a:t>
+            </a:r>
+            <a:r>
+              <a:rPr/>
+              <a:t> </a:t>
+            </a:r>
+            <a:r>
+              <a:rPr/>
+              <a:t>unmatched</a:t>
+            </a:r>
+            <a:r>
+              <a:rPr/>
+              <a:t> </a:t>
+            </a:r>
+            <a:r>
+              <a:rPr/>
+              <a:t>codes.</a:t>
+            </a:r>
+            <a:r>
+              <a:rPr/>
+              <a:t> </a:t>
+            </a:r>
+            <a:r>
+              <a:rPr/>
+              <a:t>Here</a:t>
+            </a:r>
+            <a:r>
+              <a:rPr/>
+              <a:t> </a:t>
+            </a:r>
+            <a:r>
+              <a:rPr/>
+              <a:t>is</a:t>
+            </a:r>
+            <a:r>
+              <a:rPr/>
+              <a:t> </a:t>
+            </a:r>
+            <a:r>
+              <a:rPr/>
+              <a:t>ab</a:t>
+            </a:r>
+            <a:r>
+              <a:rPr/>
+              <a:t> </a:t>
+            </a:r>
+            <a:r>
+              <a:rPr/>
+              <a:t>example</a:t>
             </a:r>
             <a:r>
               <a:rPr/>
@@ -1735,63 +922,7 @@
             </a:r>
             <a:r>
               <a:rPr/>
-              <a:t>ids</a:t>
-            </a:r>
-            <a:r>
-              <a:rPr/>
-              <a:t> </a:t>
-            </a:r>
-            <a:r>
-              <a:rPr/>
-              <a:t>where</a:t>
-            </a:r>
-            <a:r>
-              <a:rPr/>
-              <a:t> </a:t>
-            </a:r>
-            <a:r>
-              <a:rPr/>
-              <a:t>two</a:t>
-            </a:r>
-            <a:r>
-              <a:rPr/>
-              <a:t> </a:t>
-            </a:r>
-            <a:r>
-              <a:rPr/>
-              <a:t>tables</a:t>
-            </a:r>
-            <a:r>
-              <a:rPr/>
-              <a:t> </a:t>
-            </a:r>
-            <a:r>
-              <a:rPr/>
-              <a:t>fail</a:t>
-            </a:r>
-            <a:r>
-              <a:rPr/>
-              <a:t> </a:t>
-            </a:r>
-            <a:r>
-              <a:rPr/>
-              <a:t>to</a:t>
-            </a:r>
-            <a:r>
-              <a:rPr/>
-              <a:t> </a:t>
-            </a:r>
-            <a:r>
-              <a:rPr/>
-              <a:t>match,</a:t>
-            </a:r>
-            <a:r>
-              <a:rPr/>
-              <a:t> </a:t>
-            </a:r>
-            <a:r>
-              <a:rPr/>
-              <a:t>look</a:t>
+              <a:t>looking</a:t>
             </a:r>
             <a:r>
               <a:rPr/>
@@ -1807,191 +938,15 @@
             </a:r>
             <a:r>
               <a:rPr/>
-              <a:t>a</a:t>
-            </a:r>
-            <a:r>
-              <a:rPr/>
-              <a:t> </a:t>
-            </a:r>
-            <a:r>
-              <a:rPr/>
-              <a:t>null</a:t>
-            </a:r>
-            <a:r>
-              <a:rPr/>
-              <a:t> </a:t>
-            </a:r>
-            <a:r>
-              <a:rPr/>
-              <a:t>value</a:t>
-            </a:r>
-            <a:r>
-              <a:rPr/>
-              <a:t> </a:t>
-            </a:r>
-            <a:r>
-              <a:rPr/>
-              <a:t>in</a:t>
-            </a:r>
-            <a:r>
-              <a:rPr/>
-              <a:t> </a:t>
-            </a:r>
-            <a:r>
-              <a:rPr/>
-              <a:t>one</a:t>
-            </a:r>
-            <a:r>
-              <a:rPr/>
-              <a:t> </a:t>
-            </a:r>
-            <a:r>
-              <a:rPr/>
-              <a:t>of</a:t>
-            </a:r>
-            <a:r>
-              <a:rPr/>
-              <a:t> </a:t>
-            </a:r>
-            <a:r>
-              <a:rPr/>
-              <a:t>the</a:t>
-            </a:r>
-            <a:r>
-              <a:rPr/>
-              <a:t> </a:t>
-            </a:r>
-            <a:r>
-              <a:rPr/>
-              <a:t>tables.</a:t>
-            </a:r>
-            <a:r>
-              <a:rPr/>
-              <a:t> </a:t>
-            </a:r>
-            <a:r>
-              <a:rPr/>
-              <a:t>There</a:t>
-            </a:r>
-            <a:r>
-              <a:rPr/>
-              <a:t> </a:t>
-            </a:r>
-            <a:r>
-              <a:rPr/>
-              <a:t>are</a:t>
-            </a:r>
-            <a:r>
-              <a:rPr/>
-              <a:t> </a:t>
-            </a:r>
-            <a:r>
-              <a:rPr/>
-              <a:t>75</a:t>
-            </a:r>
-            <a:r>
-              <a:rPr/>
-              <a:t> </a:t>
-            </a:r>
-            <a:r>
-              <a:rPr/>
-              <a:t>ids,</a:t>
-            </a:r>
-            <a:r>
-              <a:rPr/>
-              <a:t> </a:t>
-            </a:r>
-            <a:r>
-              <a:rPr/>
-              <a:t>so</a:t>
-            </a:r>
-            <a:r>
-              <a:rPr/>
-              <a:t> </a:t>
-            </a:r>
-            <a:r>
-              <a:rPr/>
-              <a:t>I</a:t>
-            </a:r>
-            <a:r>
-              <a:rPr/>
-              <a:t> </a:t>
-            </a:r>
-            <a:r>
-              <a:rPr/>
-              <a:t>could</a:t>
-            </a:r>
-            <a:r>
-              <a:rPr/>
-              <a:t> </a:t>
-            </a:r>
-            <a:r>
-              <a:rPr/>
-              <a:t>not</a:t>
-            </a:r>
-            <a:r>
-              <a:rPr/>
-              <a:t> </a:t>
-            </a:r>
-            <a:r>
-              <a:rPr/>
-              <a:t>print</a:t>
-            </a:r>
-            <a:r>
-              <a:rPr/>
-              <a:t> </a:t>
-            </a:r>
-            <a:r>
-              <a:rPr/>
-              <a:t>out</a:t>
-            </a:r>
-            <a:r>
-              <a:rPr/>
-              <a:t> </a:t>
-            </a:r>
-            <a:r>
-              <a:rPr/>
-              <a:t>all</a:t>
-            </a:r>
-            <a:r>
-              <a:rPr/>
-              <a:t> </a:t>
-            </a:r>
-            <a:r>
-              <a:rPr/>
-              <a:t>of</a:t>
-            </a:r>
-            <a:r>
-              <a:rPr/>
-              <a:t> </a:t>
-            </a:r>
-            <a:r>
-              <a:rPr/>
-              <a:t>them</a:t>
-            </a:r>
-            <a:r>
-              <a:rPr/>
-              <a:t> </a:t>
-            </a:r>
-            <a:r>
-              <a:rPr/>
-              <a:t>on</a:t>
-            </a:r>
-            <a:r>
-              <a:rPr/>
-              <a:t> </a:t>
-            </a:r>
-            <a:r>
-              <a:rPr/>
-              <a:t>this</a:t>
-            </a:r>
-            <a:r>
-              <a:rPr/>
-              <a:t> </a:t>
-            </a:r>
-            <a:r>
-              <a:rPr/>
-              <a:t>slide.</a:t>
+              <a:t>unmatched</a:t>
+            </a:r>
+            <a:r>
+              <a:rPr/>
+              <a:t> </a:t>
+            </a:r>
+            <a:r>
+              <a:rPr/>
+              <a:t>labels.</a:t>
             </a:r>
           </a:p>
         </p:txBody>
@@ -2073,7 +1028,159 @@
             </a:pPr>
             <a:r>
               <a:rPr/>
-              <a:t>You</a:t>
+              <a:t>By</a:t>
+            </a:r>
+            <a:r>
+              <a:rPr/>
+              <a:t> </a:t>
+            </a:r>
+            <a:r>
+              <a:rPr/>
+              <a:t>swapping</a:t>
+            </a:r>
+            <a:r>
+              <a:rPr/>
+              <a:t> </a:t>
+            </a:r>
+            <a:r>
+              <a:rPr/>
+              <a:t>the</a:t>
+            </a:r>
+            <a:r>
+              <a:rPr/>
+              <a:t> </a:t>
+            </a:r>
+            <a:r>
+              <a:rPr/>
+              <a:t>order</a:t>
+            </a:r>
+            <a:r>
+              <a:rPr/>
+              <a:t> </a:t>
+            </a:r>
+            <a:r>
+              <a:rPr/>
+              <a:t>of</a:t>
+            </a:r>
+            <a:r>
+              <a:rPr/>
+              <a:t> </a:t>
+            </a:r>
+            <a:r>
+              <a:rPr/>
+              <a:t>tables</a:t>
+            </a:r>
+            <a:r>
+              <a:rPr/>
+              <a:t> </a:t>
+            </a:r>
+            <a:r>
+              <a:rPr/>
+              <a:t>(or</a:t>
+            </a:r>
+            <a:r>
+              <a:rPr/>
+              <a:t> </a:t>
+            </a:r>
+            <a:r>
+              <a:rPr/>
+              <a:t>changing</a:t>
+            </a:r>
+            <a:r>
+              <a:rPr/>
+              <a:t> </a:t>
+            </a:r>
+            <a:r>
+              <a:rPr/>
+              <a:t>to</a:t>
+            </a:r>
+            <a:r>
+              <a:rPr/>
+              <a:t> </a:t>
+            </a:r>
+            <a:r>
+              <a:rPr/>
+              <a:t>a</a:t>
+            </a:r>
+            <a:r>
+              <a:rPr/>
+              <a:t> </a:t>
+            </a:r>
+            <a:r>
+              <a:rPr/>
+              <a:t>right</a:t>
+            </a:r>
+            <a:r>
+              <a:rPr/>
+              <a:t> </a:t>
+            </a:r>
+            <a:r>
+              <a:rPr/>
+              <a:t>join)</a:t>
+            </a:r>
+            <a:r>
+              <a:rPr/>
+              <a:t> </a:t>
+            </a:r>
+            <a:r>
+              <a:rPr/>
+              <a:t>and</a:t>
+            </a:r>
+            <a:r>
+              <a:rPr/>
+              <a:t> </a:t>
+            </a:r>
+            <a:r>
+              <a:rPr/>
+              <a:t>making</a:t>
+            </a:r>
+            <a:r>
+              <a:rPr/>
+              <a:t> </a:t>
+            </a:r>
+            <a:r>
+              <a:rPr/>
+              <a:t>a</a:t>
+            </a:r>
+            <a:r>
+              <a:rPr/>
+              <a:t> </a:t>
+            </a:r>
+            <a:r>
+              <a:rPr/>
+              <a:t>few</a:t>
+            </a:r>
+            <a:r>
+              <a:rPr/>
+              <a:t> </a:t>
+            </a:r>
+            <a:r>
+              <a:rPr/>
+              <a:t>other</a:t>
+            </a:r>
+            <a:r>
+              <a:rPr/>
+              <a:t> </a:t>
+            </a:r>
+            <a:r>
+              <a:rPr/>
+              <a:t>small</a:t>
+            </a:r>
+            <a:r>
+              <a:rPr/>
+              <a:t> </a:t>
+            </a:r>
+            <a:r>
+              <a:rPr/>
+              <a:t>changes,</a:t>
+            </a:r>
+            <a:r>
+              <a:rPr/>
+              <a:t> </a:t>
+            </a:r>
+            <a:r>
+              <a:rPr/>
+              <a:t>you</a:t>
             </a:r>
             <a:r>
               <a:rPr/>
@@ -2089,7 +1196,23 @@
             </a:r>
             <a:r>
               <a:rPr/>
-              <a:t>use</a:t>
+              <a:t>find</a:t>
+            </a:r>
+            <a:r>
+              <a:rPr/>
+              <a:t> </a:t>
+            </a:r>
+            <a:r>
+              <a:rPr/>
+              <a:t>codes</a:t>
+            </a:r>
+            <a:r>
+              <a:rPr/>
+              <a:t> </a:t>
+            </a:r>
+            <a:r>
+              <a:rPr/>
+              <a:t>in</a:t>
             </a:r>
             <a:r>
               <a:rPr/>
@@ -2105,151 +1228,71 @@
             </a:r>
             <a:r>
               <a:rPr/>
-              <a:t>same</a:t>
-            </a:r>
-            <a:r>
-              <a:rPr/>
-              <a:t> </a:t>
-            </a:r>
-            <a:r>
-              <a:rPr/>
-              <a:t>approach</a:t>
-            </a:r>
-            <a:r>
-              <a:rPr/>
-              <a:t> </a:t>
-            </a:r>
-            <a:r>
-              <a:rPr/>
-              <a:t>to</a:t>
-            </a:r>
-            <a:r>
-              <a:rPr/>
-              <a:t> </a:t>
-            </a:r>
-            <a:r>
-              <a:rPr/>
-              <a:t>look</a:t>
-            </a:r>
-            <a:r>
-              <a:rPr/>
-              <a:t> </a:t>
-            </a:r>
-            <a:r>
-              <a:rPr/>
-              <a:t>for</a:t>
-            </a:r>
-            <a:r>
-              <a:rPr/>
-              <a:t> </a:t>
-            </a:r>
-            <a:r>
-              <a:rPr/>
-              <a:t>unmatched</a:t>
-            </a:r>
-            <a:r>
-              <a:rPr/>
-              <a:t> </a:t>
-            </a:r>
-            <a:r>
-              <a:rPr/>
-              <a:t>labels</a:t>
-            </a:r>
-            <a:r>
-              <a:rPr/>
-              <a:t> </a:t>
-            </a:r>
-            <a:r>
-              <a:rPr/>
-              <a:t>or</a:t>
-            </a:r>
-            <a:r>
-              <a:rPr/>
-              <a:t> </a:t>
-            </a:r>
-            <a:r>
-              <a:rPr/>
-              <a:t>unmatched</a:t>
-            </a:r>
-            <a:r>
-              <a:rPr/>
-              <a:t> </a:t>
-            </a:r>
-            <a:r>
-              <a:rPr/>
-              <a:t>codes.</a:t>
-            </a:r>
-            <a:r>
-              <a:rPr/>
-              <a:t> </a:t>
-            </a:r>
-            <a:r>
-              <a:rPr/>
-              <a:t>Here</a:t>
-            </a:r>
-            <a:r>
-              <a:rPr/>
-              <a:t> </a:t>
-            </a:r>
-            <a:r>
-              <a:rPr/>
-              <a:t>is</a:t>
-            </a:r>
-            <a:r>
-              <a:rPr/>
-              <a:t> </a:t>
-            </a:r>
-            <a:r>
-              <a:rPr/>
-              <a:t>ab</a:t>
-            </a:r>
-            <a:r>
-              <a:rPr/>
-              <a:t> </a:t>
-            </a:r>
-            <a:r>
-              <a:rPr/>
-              <a:t>example</a:t>
-            </a:r>
-            <a:r>
-              <a:rPr/>
-              <a:t> </a:t>
-            </a:r>
-            <a:r>
-              <a:rPr/>
-              <a:t>of</a:t>
-            </a:r>
-            <a:r>
-              <a:rPr/>
-              <a:t> </a:t>
-            </a:r>
-            <a:r>
-              <a:rPr/>
-              <a:t>looking</a:t>
-            </a:r>
-            <a:r>
-              <a:rPr/>
-              <a:t> </a:t>
-            </a:r>
-            <a:r>
-              <a:rPr/>
-              <a:t>for</a:t>
-            </a:r>
-            <a:r>
-              <a:rPr/>
-              <a:t> </a:t>
-            </a:r>
-            <a:r>
-              <a:rPr/>
-              <a:t>unmatched</a:t>
-            </a:r>
-            <a:r>
-              <a:rPr/>
-              <a:t> </a:t>
-            </a:r>
-            <a:r>
-              <a:rPr/>
-              <a:t>labels.</a:t>
+              <a:t>demography</a:t>
+            </a:r>
+            <a:r>
+              <a:rPr/>
+              <a:t> </a:t>
+            </a:r>
+            <a:r>
+              <a:rPr/>
+              <a:t>database</a:t>
+            </a:r>
+            <a:r>
+              <a:rPr/>
+              <a:t> </a:t>
+            </a:r>
+            <a:r>
+              <a:rPr/>
+              <a:t>that</a:t>
+            </a:r>
+            <a:r>
+              <a:rPr/>
+              <a:t> </a:t>
+            </a:r>
+            <a:r>
+              <a:rPr/>
+              <a:t>do</a:t>
+            </a:r>
+            <a:r>
+              <a:rPr/>
+              <a:t> </a:t>
+            </a:r>
+            <a:r>
+              <a:rPr/>
+              <a:t>not</a:t>
+            </a:r>
+            <a:r>
+              <a:rPr/>
+              <a:t> </a:t>
+            </a:r>
+            <a:r>
+              <a:rPr/>
+              <a:t>have</a:t>
+            </a:r>
+            <a:r>
+              <a:rPr/>
+              <a:t> </a:t>
+            </a:r>
+            <a:r>
+              <a:rPr/>
+              <a:t>a</a:t>
+            </a:r>
+            <a:r>
+              <a:rPr/>
+              <a:t> </a:t>
+            </a:r>
+            <a:r>
+              <a:rPr/>
+              <a:t>corresponding</a:t>
+            </a:r>
+            <a:r>
+              <a:rPr/>
+              <a:t> </a:t>
+            </a:r>
+            <a:r>
+              <a:rPr/>
+              <a:t>label.</a:t>
             </a:r>
           </a:p>
         </p:txBody>
@@ -2331,15 +1374,119 @@
             </a:pPr>
             <a:r>
               <a:rPr/>
-              <a:t>By</a:t>
-            </a:r>
-            <a:r>
-              <a:rPr/>
-              <a:t> </a:t>
-            </a:r>
-            <a:r>
-              <a:rPr/>
-              <a:t>swapping</a:t>
+              <a:t>You</a:t>
+            </a:r>
+            <a:r>
+              <a:rPr/>
+              <a:t> </a:t>
+            </a:r>
+            <a:r>
+              <a:rPr/>
+              <a:t>can</a:t>
+            </a:r>
+            <a:r>
+              <a:rPr/>
+              <a:t> </a:t>
+            </a:r>
+            <a:r>
+              <a:rPr/>
+              <a:t>compute</a:t>
+            </a:r>
+            <a:r>
+              <a:rPr/>
+              <a:t> </a:t>
+            </a:r>
+            <a:r>
+              <a:rPr/>
+              <a:t>values</a:t>
+            </a:r>
+            <a:r>
+              <a:rPr/>
+              <a:t> </a:t>
+            </a:r>
+            <a:r>
+              <a:rPr/>
+              <a:t>across</a:t>
+            </a:r>
+            <a:r>
+              <a:rPr/>
+              <a:t> </a:t>
+            </a:r>
+            <a:r>
+              <a:rPr/>
+              <a:t>different</a:t>
+            </a:r>
+            <a:r>
+              <a:rPr/>
+              <a:t> </a:t>
+            </a:r>
+            <a:r>
+              <a:rPr/>
+              <a:t>tables.</a:t>
+            </a:r>
+            <a:r>
+              <a:rPr/>
+              <a:t> </a:t>
+            </a:r>
+            <a:r>
+              <a:rPr/>
+              <a:t>This</a:t>
+            </a:r>
+            <a:r>
+              <a:rPr/>
+              <a:t> </a:t>
+            </a:r>
+            <a:r>
+              <a:rPr/>
+              <a:t>example</a:t>
+            </a:r>
+            <a:r>
+              <a:rPr/>
+              <a:t> </a:t>
+            </a:r>
+            <a:r>
+              <a:rPr/>
+              <a:t>shows</a:t>
+            </a:r>
+            <a:r>
+              <a:rPr/>
+              <a:t> </a:t>
+            </a:r>
+            <a:r>
+              <a:rPr/>
+              <a:t>a</a:t>
+            </a:r>
+            <a:r>
+              <a:rPr/>
+              <a:t> </a:t>
+            </a:r>
+            <a:r>
+              <a:rPr/>
+              <a:t>change</a:t>
+            </a:r>
+            <a:r>
+              <a:rPr/>
+              <a:t> </a:t>
+            </a:r>
+            <a:r>
+              <a:rPr/>
+              <a:t>score.</a:t>
+            </a:r>
+            <a:r>
+              <a:rPr/>
+              <a:t> </a:t>
+            </a:r>
+            <a:r>
+              <a:rPr/>
+              <a:t>Notice</a:t>
+            </a:r>
+            <a:r>
+              <a:rPr/>
+              <a:t> </a:t>
+            </a:r>
+            <a:r>
+              <a:rPr/>
+              <a:t>that</a:t>
             </a:r>
             <a:r>
               <a:rPr/>
@@ -2355,247 +1502,71 @@
             </a:r>
             <a:r>
               <a:rPr/>
-              <a:t>order</a:t>
-            </a:r>
-            <a:r>
-              <a:rPr/>
-              <a:t> </a:t>
-            </a:r>
-            <a:r>
-              <a:rPr/>
-              <a:t>of</a:t>
-            </a:r>
-            <a:r>
-              <a:rPr/>
-              <a:t> </a:t>
-            </a:r>
-            <a:r>
-              <a:rPr/>
-              <a:t>tables</a:t>
-            </a:r>
-            <a:r>
-              <a:rPr/>
-              <a:t> </a:t>
-            </a:r>
-            <a:r>
-              <a:rPr/>
-              <a:t>(or</a:t>
-            </a:r>
-            <a:r>
-              <a:rPr/>
-              <a:t> </a:t>
-            </a:r>
-            <a:r>
-              <a:rPr/>
-              <a:t>changing</a:t>
-            </a:r>
-            <a:r>
-              <a:rPr/>
-              <a:t> </a:t>
-            </a:r>
-            <a:r>
-              <a:rPr/>
-              <a:t>to</a:t>
-            </a:r>
-            <a:r>
-              <a:rPr/>
-              <a:t> </a:t>
-            </a:r>
-            <a:r>
-              <a:rPr/>
-              <a:t>a</a:t>
-            </a:r>
-            <a:r>
-              <a:rPr/>
-              <a:t> </a:t>
-            </a:r>
-            <a:r>
-              <a:rPr/>
-              <a:t>right</a:t>
-            </a:r>
-            <a:r>
-              <a:rPr/>
-              <a:t> </a:t>
-            </a:r>
-            <a:r>
-              <a:rPr/>
-              <a:t>join)</a:t>
-            </a:r>
-            <a:r>
-              <a:rPr/>
-              <a:t> </a:t>
-            </a:r>
-            <a:r>
-              <a:rPr/>
-              <a:t>and</a:t>
-            </a:r>
-            <a:r>
-              <a:rPr/>
-              <a:t> </a:t>
-            </a:r>
-            <a:r>
-              <a:rPr/>
-              <a:t>making</a:t>
-            </a:r>
-            <a:r>
-              <a:rPr/>
-              <a:t> </a:t>
-            </a:r>
-            <a:r>
-              <a:rPr/>
-              <a:t>a</a:t>
-            </a:r>
-            <a:r>
-              <a:rPr/>
-              <a:t> </a:t>
-            </a:r>
-            <a:r>
-              <a:rPr/>
-              <a:t>few</a:t>
-            </a:r>
-            <a:r>
-              <a:rPr/>
-              <a:t> </a:t>
-            </a:r>
-            <a:r>
-              <a:rPr/>
-              <a:t>other</a:t>
-            </a:r>
-            <a:r>
-              <a:rPr/>
-              <a:t> </a:t>
-            </a:r>
-            <a:r>
-              <a:rPr/>
-              <a:t>small</a:t>
-            </a:r>
-            <a:r>
-              <a:rPr/>
-              <a:t> </a:t>
-            </a:r>
-            <a:r>
-              <a:rPr/>
-              <a:t>changes,</a:t>
-            </a:r>
-            <a:r>
-              <a:rPr/>
-              <a:t> </a:t>
-            </a:r>
-            <a:r>
-              <a:rPr/>
-              <a:t>you</a:t>
-            </a:r>
-            <a:r>
-              <a:rPr/>
-              <a:t> </a:t>
-            </a:r>
-            <a:r>
-              <a:rPr/>
-              <a:t>can</a:t>
-            </a:r>
-            <a:r>
-              <a:rPr/>
-              <a:t> </a:t>
-            </a:r>
-            <a:r>
-              <a:rPr/>
-              <a:t>find</a:t>
-            </a:r>
-            <a:r>
-              <a:rPr/>
-              <a:t> </a:t>
-            </a:r>
-            <a:r>
-              <a:rPr/>
-              <a:t>codes</a:t>
-            </a:r>
-            <a:r>
-              <a:rPr/>
-              <a:t> </a:t>
-            </a:r>
-            <a:r>
-              <a:rPr/>
-              <a:t>in</a:t>
-            </a:r>
-            <a:r>
-              <a:rPr/>
-              <a:t> </a:t>
-            </a:r>
-            <a:r>
-              <a:rPr/>
-              <a:t>the</a:t>
-            </a:r>
-            <a:r>
-              <a:rPr/>
-              <a:t> </a:t>
-            </a:r>
-            <a:r>
-              <a:rPr/>
-              <a:t>demography</a:t>
-            </a:r>
-            <a:r>
-              <a:rPr/>
-              <a:t> </a:t>
-            </a:r>
-            <a:r>
-              <a:rPr/>
-              <a:t>database</a:t>
-            </a:r>
-            <a:r>
-              <a:rPr/>
-              <a:t> </a:t>
-            </a:r>
-            <a:r>
-              <a:rPr/>
-              <a:t>that</a:t>
-            </a:r>
-            <a:r>
-              <a:rPr/>
-              <a:t> </a:t>
-            </a:r>
-            <a:r>
-              <a:rPr/>
-              <a:t>do</a:t>
-            </a:r>
-            <a:r>
-              <a:rPr/>
-              <a:t> </a:t>
-            </a:r>
-            <a:r>
-              <a:rPr/>
-              <a:t>not</a:t>
-            </a:r>
-            <a:r>
-              <a:rPr/>
-              <a:t> </a:t>
-            </a:r>
-            <a:r>
-              <a:rPr/>
-              <a:t>have</a:t>
-            </a:r>
-            <a:r>
-              <a:rPr/>
-              <a:t> </a:t>
-            </a:r>
-            <a:r>
-              <a:rPr/>
-              <a:t>a</a:t>
-            </a:r>
-            <a:r>
-              <a:rPr/>
-              <a:t> </a:t>
-            </a:r>
-            <a:r>
-              <a:rPr/>
-              <a:t>corresponding</a:t>
-            </a:r>
-            <a:r>
-              <a:rPr/>
-              <a:t> </a:t>
-            </a:r>
-            <a:r>
-              <a:rPr/>
-              <a:t>label.</a:t>
+              <a:t>change</a:t>
+            </a:r>
+            <a:r>
+              <a:rPr/>
+              <a:t> </a:t>
+            </a:r>
+            <a:r>
+              <a:rPr/>
+              <a:t>score</a:t>
+            </a:r>
+            <a:r>
+              <a:rPr/>
+              <a:t> </a:t>
+            </a:r>
+            <a:r>
+              <a:rPr/>
+              <a:t>is</a:t>
+            </a:r>
+            <a:r>
+              <a:rPr/>
+              <a:t> </a:t>
+            </a:r>
+            <a:r>
+              <a:rPr/>
+              <a:t>null</a:t>
+            </a:r>
+            <a:r>
+              <a:rPr/>
+              <a:t> </a:t>
+            </a:r>
+            <a:r>
+              <a:rPr/>
+              <a:t>if</a:t>
+            </a:r>
+            <a:r>
+              <a:rPr/>
+              <a:t> </a:t>
+            </a:r>
+            <a:r>
+              <a:rPr/>
+              <a:t>either</a:t>
+            </a:r>
+            <a:r>
+              <a:rPr/>
+              <a:t> </a:t>
+            </a:r>
+            <a:r>
+              <a:rPr/>
+              <a:t>value</a:t>
+            </a:r>
+            <a:r>
+              <a:rPr/>
+              <a:t> </a:t>
+            </a:r>
+            <a:r>
+              <a:rPr/>
+              <a:t>is</a:t>
+            </a:r>
+            <a:r>
+              <a:rPr/>
+              <a:t> </a:t>
+            </a:r>
+            <a:r>
+              <a:rPr/>
+              <a:t>null.</a:t>
             </a:r>
           </a:p>
         </p:txBody>
@@ -2693,63 +1664,319 @@
             </a:r>
             <a:r>
               <a:rPr/>
-              <a:t>compute</a:t>
-            </a:r>
-            <a:r>
-              <a:rPr/>
-              <a:t> </a:t>
-            </a:r>
-            <a:r>
-              <a:rPr/>
-              <a:t>values</a:t>
-            </a:r>
-            <a:r>
-              <a:rPr/>
-              <a:t> </a:t>
-            </a:r>
-            <a:r>
-              <a:rPr/>
-              <a:t>across</a:t>
-            </a:r>
-            <a:r>
-              <a:rPr/>
-              <a:t> </a:t>
-            </a:r>
-            <a:r>
-              <a:rPr/>
-              <a:t>different</a:t>
-            </a:r>
-            <a:r>
-              <a:rPr/>
-              <a:t> </a:t>
-            </a:r>
-            <a:r>
-              <a:rPr/>
-              <a:t>tables.</a:t>
-            </a:r>
-            <a:r>
-              <a:rPr/>
-              <a:t> </a:t>
-            </a:r>
-            <a:r>
-              <a:rPr/>
-              <a:t>This</a:t>
-            </a:r>
-            <a:r>
-              <a:rPr/>
-              <a:t> </a:t>
-            </a:r>
-            <a:r>
-              <a:rPr/>
-              <a:t>example</a:t>
-            </a:r>
-            <a:r>
-              <a:rPr/>
-              <a:t> </a:t>
-            </a:r>
-            <a:r>
-              <a:rPr/>
-              <a:t>shows</a:t>
+              <a:t>even</a:t>
+            </a:r>
+            <a:r>
+              <a:rPr/>
+              <a:t> </a:t>
+            </a:r>
+            <a:r>
+              <a:rPr/>
+              <a:t>average</a:t>
+            </a:r>
+            <a:r>
+              <a:rPr/>
+              <a:t> </a:t>
+            </a:r>
+            <a:r>
+              <a:rPr/>
+              <a:t>these</a:t>
+            </a:r>
+            <a:r>
+              <a:rPr/>
+              <a:t> </a:t>
+            </a:r>
+            <a:r>
+              <a:rPr/>
+              <a:t>values.</a:t>
+            </a:r>
+            <a:r>
+              <a:rPr/>
+              <a:t> </a:t>
+            </a:r>
+            <a:r>
+              <a:rPr/>
+              <a:t>Notice</a:t>
+            </a:r>
+            <a:r>
+              <a:rPr/>
+              <a:t> </a:t>
+            </a:r>
+            <a:r>
+              <a:rPr/>
+              <a:t>that</a:t>
+            </a:r>
+            <a:r>
+              <a:rPr/>
+              <a:t> </a:t>
+            </a:r>
+            <a:r>
+              <a:rPr/>
+              <a:t>the</a:t>
+            </a:r>
+            <a:r>
+              <a:rPr/>
+              <a:t> </a:t>
+            </a:r>
+            <a:r>
+              <a:rPr/>
+              <a:t>mean</a:t>
+            </a:r>
+            <a:r>
+              <a:rPr/>
+              <a:t> </a:t>
+            </a:r>
+            <a:r>
+              <a:rPr/>
+              <a:t>change</a:t>
+            </a:r>
+            <a:r>
+              <a:rPr/>
+              <a:t> </a:t>
+            </a:r>
+            <a:r>
+              <a:rPr/>
+              <a:t>is</a:t>
+            </a:r>
+            <a:r>
+              <a:rPr/>
+              <a:t> </a:t>
+            </a:r>
+            <a:r>
+              <a:rPr/>
+              <a:t>not</a:t>
+            </a:r>
+            <a:r>
+              <a:rPr/>
+              <a:t> </a:t>
+            </a:r>
+            <a:r>
+              <a:rPr/>
+              <a:t>exactly</a:t>
+            </a:r>
+            <a:r>
+              <a:rPr/>
+              <a:t> </a:t>
+            </a:r>
+            <a:r>
+              <a:rPr/>
+              <a:t>equal</a:t>
+            </a:r>
+            <a:r>
+              <a:rPr/>
+              <a:t> </a:t>
+            </a:r>
+            <a:r>
+              <a:rPr/>
+              <a:t>to</a:t>
+            </a:r>
+            <a:r>
+              <a:rPr/>
+              <a:t> </a:t>
+            </a:r>
+            <a:r>
+              <a:rPr/>
+              <a:t>the</a:t>
+            </a:r>
+            <a:r>
+              <a:rPr/>
+              <a:t> </a:t>
+            </a:r>
+            <a:r>
+              <a:rPr/>
+              <a:t>difference</a:t>
+            </a:r>
+            <a:r>
+              <a:rPr/>
+              <a:t> </a:t>
+            </a:r>
+            <a:r>
+              <a:rPr/>
+              <a:t>in</a:t>
+            </a:r>
+            <a:r>
+              <a:rPr/>
+              <a:t> </a:t>
+            </a:r>
+            <a:r>
+              <a:rPr/>
+              <a:t>the</a:t>
+            </a:r>
+            <a:r>
+              <a:rPr/>
+              <a:t> </a:t>
+            </a:r>
+            <a:r>
+              <a:rPr/>
+              <a:t>two</a:t>
+            </a:r>
+            <a:r>
+              <a:rPr/>
+              <a:t> </a:t>
+            </a:r>
+            <a:r>
+              <a:rPr/>
+              <a:t>means.</a:t>
+            </a:r>
+            <a:r>
+              <a:rPr/>
+              <a:t> </a:t>
+            </a:r>
+            <a:r>
+              <a:rPr/>
+              <a:t>That</a:t>
+            </a:r>
+            <a:r>
+              <a:rPr/>
+              <a:t> </a:t>
+            </a:r>
+            <a:r>
+              <a:rPr/>
+              <a:t>would</a:t>
+            </a:r>
+            <a:r>
+              <a:rPr/>
+              <a:t> </a:t>
+            </a:r>
+            <a:r>
+              <a:rPr/>
+              <a:t>normally</a:t>
+            </a:r>
+            <a:r>
+              <a:rPr/>
+              <a:t> </a:t>
+            </a:r>
+            <a:r>
+              <a:rPr/>
+              <a:t>be</a:t>
+            </a:r>
+            <a:r>
+              <a:rPr/>
+              <a:t> </a:t>
+            </a:r>
+            <a:r>
+              <a:rPr/>
+              <a:t>the</a:t>
+            </a:r>
+            <a:r>
+              <a:rPr/>
+              <a:t> </a:t>
+            </a:r>
+            <a:r>
+              <a:rPr/>
+              <a:t>case,</a:t>
+            </a:r>
+            <a:r>
+              <a:rPr/>
+              <a:t> </a:t>
+            </a:r>
+            <a:r>
+              <a:rPr/>
+              <a:t>but</a:t>
+            </a:r>
+            <a:r>
+              <a:rPr/>
+              <a:t> </a:t>
+            </a:r>
+            <a:r>
+              <a:rPr/>
+              <a:t>remember</a:t>
+            </a:r>
+            <a:r>
+              <a:rPr/>
+              <a:t> </a:t>
+            </a:r>
+            <a:r>
+              <a:rPr/>
+              <a:t>that</a:t>
+            </a:r>
+            <a:r>
+              <a:rPr/>
+              <a:t> </a:t>
+            </a:r>
+            <a:r>
+              <a:rPr/>
+              <a:t>the</a:t>
+            </a:r>
+            <a:r>
+              <a:rPr/>
+              <a:t> </a:t>
+            </a:r>
+            <a:r>
+              <a:rPr/>
+              <a:t>baseline</a:t>
+            </a:r>
+            <a:r>
+              <a:rPr/>
+              <a:t> </a:t>
+            </a:r>
+            <a:r>
+              <a:rPr/>
+              <a:t>average</a:t>
+            </a:r>
+            <a:r>
+              <a:rPr/>
+              <a:t> </a:t>
+            </a:r>
+            <a:r>
+              <a:rPr/>
+              <a:t>is</a:t>
+            </a:r>
+            <a:r>
+              <a:rPr/>
+              <a:t> </a:t>
+            </a:r>
+            <a:r>
+              <a:rPr/>
+              <a:t>an</a:t>
+            </a:r>
+            <a:r>
+              <a:rPr/>
+              <a:t> </a:t>
+            </a:r>
+            <a:r>
+              <a:rPr/>
+              <a:t>average</a:t>
+            </a:r>
+            <a:r>
+              <a:rPr/>
+              <a:t> </a:t>
+            </a:r>
+            <a:r>
+              <a:rPr/>
+              <a:t>that</a:t>
+            </a:r>
+            <a:r>
+              <a:rPr/>
+              <a:t> </a:t>
+            </a:r>
+            <a:r>
+              <a:rPr/>
+              <a:t>includes</a:t>
+            </a:r>
+            <a:r>
+              <a:rPr/>
+              <a:t> </a:t>
+            </a:r>
+            <a:r>
+              <a:rPr/>
+              <a:t>75</a:t>
+            </a:r>
+            <a:r>
+              <a:rPr/>
+              <a:t> </a:t>
+            </a:r>
+            <a:r>
+              <a:rPr/>
+              <a:t>patients</a:t>
+            </a:r>
+            <a:r>
+              <a:rPr/>
+              <a:t> </a:t>
+            </a:r>
+            <a:r>
+              <a:rPr/>
+              <a:t>wihtout</a:t>
             </a:r>
             <a:r>
               <a:rPr/>
@@ -2765,23 +1992,79 @@
             </a:r>
             <a:r>
               <a:rPr/>
-              <a:t>change</a:t>
-            </a:r>
-            <a:r>
-              <a:rPr/>
-              <a:t> </a:t>
-            </a:r>
-            <a:r>
-              <a:rPr/>
-              <a:t>score.</a:t>
-            </a:r>
-            <a:r>
-              <a:rPr/>
-              <a:t> </a:t>
-            </a:r>
-            <a:r>
-              <a:rPr/>
-              <a:t>Notice</a:t>
+              <a:t>corresponding</a:t>
+            </a:r>
+            <a:r>
+              <a:rPr/>
+              <a:t> </a:t>
+            </a:r>
+            <a:r>
+              <a:rPr/>
+              <a:t>three</a:t>
+            </a:r>
+            <a:r>
+              <a:rPr/>
+              <a:t> </a:t>
+            </a:r>
+            <a:r>
+              <a:rPr/>
+              <a:t>month</a:t>
+            </a:r>
+            <a:r>
+              <a:rPr/>
+              <a:t> </a:t>
+            </a:r>
+            <a:r>
+              <a:rPr/>
+              <a:t>value.</a:t>
+            </a:r>
+            <a:r>
+              <a:rPr/>
+              <a:t> </a:t>
+            </a:r>
+            <a:r>
+              <a:rPr/>
+              <a:t>You</a:t>
+            </a:r>
+            <a:r>
+              <a:rPr/>
+              <a:t> </a:t>
+            </a:r>
+            <a:r>
+              <a:rPr/>
+              <a:t>could</a:t>
+            </a:r>
+            <a:r>
+              <a:rPr/>
+              <a:t> </a:t>
+            </a:r>
+            <a:r>
+              <a:rPr/>
+              <a:t>restrict</a:t>
+            </a:r>
+            <a:r>
+              <a:rPr/>
+              <a:t> </a:t>
+            </a:r>
+            <a:r>
+              <a:rPr/>
+              <a:t>the</a:t>
+            </a:r>
+            <a:r>
+              <a:rPr/>
+              <a:t> </a:t>
+            </a:r>
+            <a:r>
+              <a:rPr/>
+              <a:t>data</a:t>
+            </a:r>
+            <a:r>
+              <a:rPr/>
+              <a:t> </a:t>
+            </a:r>
+            <a:r>
+              <a:rPr/>
+              <a:t>so</a:t>
             </a:r>
             <a:r>
               <a:rPr/>
@@ -2805,15 +2088,15 @@
             </a:r>
             <a:r>
               <a:rPr/>
-              <a:t>change</a:t>
-            </a:r>
-            <a:r>
-              <a:rPr/>
-              <a:t> </a:t>
-            </a:r>
-            <a:r>
-              <a:rPr/>
-              <a:t>score</a:t>
+              <a:t>baseline</a:t>
+            </a:r>
+            <a:r>
+              <a:rPr/>
+              <a:t> </a:t>
+            </a:r>
+            <a:r>
+              <a:rPr/>
+              <a:t>average</a:t>
             </a:r>
             <a:r>
               <a:rPr/>
@@ -2829,31 +2112,231 @@
             </a:r>
             <a:r>
               <a:rPr/>
-              <a:t>null</a:t>
-            </a:r>
-            <a:r>
-              <a:rPr/>
-              <a:t> </a:t>
-            </a:r>
-            <a:r>
-              <a:rPr/>
-              <a:t>if</a:t>
-            </a:r>
-            <a:r>
-              <a:rPr/>
-              <a:t> </a:t>
-            </a:r>
-            <a:r>
-              <a:rPr/>
-              <a:t>either</a:t>
-            </a:r>
-            <a:r>
-              <a:rPr/>
-              <a:t> </a:t>
-            </a:r>
-            <a:r>
-              <a:rPr/>
-              <a:t>value</a:t>
+              <a:t>only</a:t>
+            </a:r>
+            <a:r>
+              <a:rPr/>
+              <a:t> </a:t>
+            </a:r>
+            <a:r>
+              <a:rPr/>
+              <a:t>computed</a:t>
+            </a:r>
+            <a:r>
+              <a:rPr/>
+              <a:t> </a:t>
+            </a:r>
+            <a:r>
+              <a:rPr/>
+              <a:t>for</a:t>
+            </a:r>
+            <a:r>
+              <a:rPr/>
+              <a:t> </a:t>
+            </a:r>
+            <a:r>
+              <a:rPr/>
+              <a:t>those</a:t>
+            </a:r>
+            <a:r>
+              <a:rPr/>
+              <a:t> </a:t>
+            </a:r>
+            <a:r>
+              <a:rPr/>
+              <a:t>patients</a:t>
+            </a:r>
+            <a:r>
+              <a:rPr/>
+              <a:t> </a:t>
+            </a:r>
+            <a:r>
+              <a:rPr/>
+              <a:t>who</a:t>
+            </a:r>
+            <a:r>
+              <a:rPr/>
+              <a:t> </a:t>
+            </a:r>
+            <a:r>
+              <a:rPr/>
+              <a:t>have</a:t>
+            </a:r>
+            <a:r>
+              <a:rPr/>
+              <a:t> </a:t>
+            </a:r>
+            <a:r>
+              <a:rPr/>
+              <a:t>a</a:t>
+            </a:r>
+            <a:r>
+              <a:rPr/>
+              <a:t> </a:t>
+            </a:r>
+            <a:r>
+              <a:rPr/>
+              <a:t>matching</a:t>
+            </a:r>
+            <a:r>
+              <a:rPr/>
+              <a:t> </a:t>
+            </a:r>
+            <a:r>
+              <a:rPr/>
+              <a:t>three</a:t>
+            </a:r>
+            <a:r>
+              <a:rPr/>
+              <a:t> </a:t>
+            </a:r>
+            <a:r>
+              <a:rPr/>
+              <a:t>month</a:t>
+            </a:r>
+            <a:r>
+              <a:rPr/>
+              <a:t> </a:t>
+            </a:r>
+            <a:r>
+              <a:rPr/>
+              <a:t>value.</a:t>
+            </a:r>
+            <a:r>
+              <a:rPr/>
+              <a:t> </a:t>
+            </a:r>
+            <a:r>
+              <a:rPr/>
+              <a:t>You</a:t>
+            </a:r>
+            <a:r>
+              <a:rPr/>
+              <a:t> </a:t>
+            </a:r>
+            <a:r>
+              <a:rPr/>
+              <a:t>could</a:t>
+            </a:r>
+            <a:r>
+              <a:rPr/>
+              <a:t> </a:t>
+            </a:r>
+            <a:r>
+              <a:rPr/>
+              <a:t>do</a:t>
+            </a:r>
+            <a:r>
+              <a:rPr/>
+              <a:t> </a:t>
+            </a:r>
+            <a:r>
+              <a:rPr/>
+              <a:t>this</a:t>
+            </a:r>
+            <a:r>
+              <a:rPr/>
+              <a:t> </a:t>
+            </a:r>
+            <a:r>
+              <a:rPr/>
+              <a:t>using</a:t>
+            </a:r>
+            <a:r>
+              <a:rPr/>
+              <a:t> </a:t>
+            </a:r>
+            <a:r>
+              <a:rPr/>
+              <a:t>an</a:t>
+            </a:r>
+            <a:r>
+              <a:rPr/>
+              <a:t> </a:t>
+            </a:r>
+            <a:r>
+              <a:rPr/>
+              <a:t>inner</a:t>
+            </a:r>
+            <a:r>
+              <a:rPr/>
+              <a:t> </a:t>
+            </a:r>
+            <a:r>
+              <a:rPr/>
+              <a:t>join</a:t>
+            </a:r>
+            <a:r>
+              <a:rPr/>
+              <a:t> </a:t>
+            </a:r>
+            <a:r>
+              <a:rPr/>
+              <a:t>or</a:t>
+            </a:r>
+            <a:r>
+              <a:rPr/>
+              <a:t> </a:t>
+            </a:r>
+            <a:r>
+              <a:rPr/>
+              <a:t>by</a:t>
+            </a:r>
+            <a:r>
+              <a:rPr/>
+              <a:t> </a:t>
+            </a:r>
+            <a:r>
+              <a:rPr/>
+              <a:t>restricting</a:t>
+            </a:r>
+            <a:r>
+              <a:rPr/>
+              <a:t> </a:t>
+            </a:r>
+            <a:r>
+              <a:rPr/>
+              <a:t>the</a:t>
+            </a:r>
+            <a:r>
+              <a:rPr/>
+              <a:t> </a:t>
+            </a:r>
+            <a:r>
+              <a:rPr/>
+              <a:t>data</a:t>
+            </a:r>
+            <a:r>
+              <a:rPr/>
+              <a:t> </a:t>
+            </a:r>
+            <a:r>
+              <a:rPr/>
+              <a:t>to</a:t>
+            </a:r>
+            <a:r>
+              <a:rPr/>
+              <a:t> </a:t>
+            </a:r>
+            <a:r>
+              <a:rPr/>
+              <a:t>cases</a:t>
+            </a:r>
+            <a:r>
+              <a:rPr/>
+              <a:t> </a:t>
+            </a:r>
+            <a:r>
+              <a:rPr/>
+              <a:t>where</a:t>
+            </a:r>
+            <a:r>
+              <a:rPr/>
+              <a:t> </a:t>
+            </a:r>
+            <a:r>
+              <a:rPr/>
+              <a:t>pk2</a:t>
             </a:r>
             <a:r>
               <a:rPr/>
@@ -2862,6 +2345,14 @@
             <a:r>
               <a:rPr/>
               <a:t>is</a:t>
+            </a:r>
+            <a:r>
+              <a:rPr/>
+              <a:t> </a:t>
+            </a:r>
+            <a:r>
+              <a:rPr/>
+              <a:t>not</a:t>
             </a:r>
             <a:r>
               <a:rPr/>
@@ -2951,63 +2442,39 @@
             </a:pPr>
             <a:r>
               <a:rPr/>
-              <a:t>You</a:t>
-            </a:r>
-            <a:r>
-              <a:rPr/>
-              <a:t> </a:t>
-            </a:r>
-            <a:r>
-              <a:rPr/>
-              <a:t>can</a:t>
-            </a:r>
-            <a:r>
-              <a:rPr/>
-              <a:t> </a:t>
-            </a:r>
-            <a:r>
-              <a:rPr/>
-              <a:t>even</a:t>
-            </a:r>
-            <a:r>
-              <a:rPr/>
-              <a:t> </a:t>
-            </a:r>
-            <a:r>
-              <a:rPr/>
-              <a:t>average</a:t>
-            </a:r>
-            <a:r>
-              <a:rPr/>
-              <a:t> </a:t>
-            </a:r>
-            <a:r>
-              <a:rPr/>
-              <a:t>these</a:t>
-            </a:r>
-            <a:r>
-              <a:rPr/>
-              <a:t> </a:t>
-            </a:r>
-            <a:r>
-              <a:rPr/>
-              <a:t>values.</a:t>
-            </a:r>
-            <a:r>
-              <a:rPr/>
-              <a:t> </a:t>
-            </a:r>
-            <a:r>
-              <a:rPr/>
-              <a:t>Notice</a:t>
-            </a:r>
-            <a:r>
-              <a:rPr/>
-              <a:t> </a:t>
-            </a:r>
-            <a:r>
-              <a:rPr/>
-              <a:t>that</a:t>
+              <a:t>An</a:t>
+            </a:r>
+            <a:r>
+              <a:rPr/>
+              <a:t> </a:t>
+            </a:r>
+            <a:r>
+              <a:rPr/>
+              <a:t>important</a:t>
+            </a:r>
+            <a:r>
+              <a:rPr/>
+              <a:t> </a:t>
+            </a:r>
+            <a:r>
+              <a:rPr/>
+              <a:t>comparison</a:t>
+            </a:r>
+            <a:r>
+              <a:rPr/>
+              <a:t> </a:t>
+            </a:r>
+            <a:r>
+              <a:rPr/>
+              <a:t>is</a:t>
+            </a:r>
+            <a:r>
+              <a:rPr/>
+              <a:t> </a:t>
+            </a:r>
+            <a:r>
+              <a:rPr/>
+              <a:t>what</a:t>
             </a:r>
             <a:r>
               <a:rPr/>
@@ -3023,6 +2490,198 @@
             </a:r>
             <a:r>
               <a:rPr/>
+              <a:t>baseline</a:t>
+            </a:r>
+            <a:r>
+              <a:rPr/>
+              <a:t> </a:t>
+            </a:r>
+            <a:r>
+              <a:rPr/>
+              <a:t>values</a:t>
+            </a:r>
+            <a:r>
+              <a:rPr/>
+              <a:t> </a:t>
+            </a:r>
+            <a:r>
+              <a:rPr/>
+              <a:t>look</a:t>
+            </a:r>
+            <a:r>
+              <a:rPr/>
+              <a:t> </a:t>
+            </a:r>
+            <a:r>
+              <a:rPr/>
+              <a:t>like</a:t>
+            </a:r>
+            <a:r>
+              <a:rPr/>
+              <a:t> </a:t>
+            </a:r>
+            <a:r>
+              <a:rPr/>
+              <a:t>for</a:t>
+            </a:r>
+            <a:r>
+              <a:rPr/>
+              <a:t> </a:t>
+            </a:r>
+            <a:r>
+              <a:rPr/>
+              <a:t>the</a:t>
+            </a:r>
+            <a:r>
+              <a:rPr/>
+              <a:t> </a:t>
+            </a:r>
+            <a:r>
+              <a:rPr/>
+              <a:t>drop</a:t>
+            </a:r>
+            <a:r>
+              <a:rPr/>
+              <a:t> </a:t>
+            </a:r>
+            <a:r>
+              <a:rPr/>
+              <a:t>outs</a:t>
+            </a:r>
+            <a:r>
+              <a:rPr/>
+              <a:t> </a:t>
+            </a:r>
+            <a:r>
+              <a:rPr/>
+              <a:t>compared</a:t>
+            </a:r>
+            <a:r>
+              <a:rPr/>
+              <a:t> </a:t>
+            </a:r>
+            <a:r>
+              <a:rPr/>
+              <a:t>to</a:t>
+            </a:r>
+            <a:r>
+              <a:rPr/>
+              <a:t> </a:t>
+            </a:r>
+            <a:r>
+              <a:rPr/>
+              <a:t>those</a:t>
+            </a:r>
+            <a:r>
+              <a:rPr/>
+              <a:t> </a:t>
+            </a:r>
+            <a:r>
+              <a:rPr/>
+              <a:t>who</a:t>
+            </a:r>
+            <a:r>
+              <a:rPr/>
+              <a:t> </a:t>
+            </a:r>
+            <a:r>
+              <a:rPr/>
+              <a:t>stay</a:t>
+            </a:r>
+            <a:r>
+              <a:rPr/>
+              <a:t> </a:t>
+            </a:r>
+            <a:r>
+              <a:rPr/>
+              <a:t>in</a:t>
+            </a:r>
+            <a:r>
+              <a:rPr/>
+              <a:t> </a:t>
+            </a:r>
+            <a:r>
+              <a:rPr/>
+              <a:t>the</a:t>
+            </a:r>
+            <a:r>
+              <a:rPr/>
+              <a:t> </a:t>
+            </a:r>
+            <a:r>
+              <a:rPr/>
+              <a:t>study.</a:t>
+            </a:r>
+            <a:r>
+              <a:rPr/>
+              <a:t> </a:t>
+            </a:r>
+            <a:r>
+              <a:rPr/>
+              <a:t>This</a:t>
+            </a:r>
+            <a:r>
+              <a:rPr/>
+              <a:t> </a:t>
+            </a:r>
+            <a:r>
+              <a:rPr/>
+              <a:t>code</a:t>
+            </a:r>
+            <a:r>
+              <a:rPr/>
+              <a:t> </a:t>
+            </a:r>
+            <a:r>
+              <a:rPr/>
+              <a:t>shows</a:t>
+            </a:r>
+            <a:r>
+              <a:rPr/>
+              <a:t> </a:t>
+            </a:r>
+            <a:r>
+              <a:rPr/>
+              <a:t>how</a:t>
+            </a:r>
+            <a:r>
+              <a:rPr/>
+              <a:t> </a:t>
+            </a:r>
+            <a:r>
+              <a:rPr/>
+              <a:t>to</a:t>
+            </a:r>
+            <a:r>
+              <a:rPr/>
+              <a:t> </a:t>
+            </a:r>
+            <a:r>
+              <a:rPr/>
+              <a:t>get</a:t>
+            </a:r>
+            <a:r>
+              <a:rPr/>
+              <a:t> </a:t>
+            </a:r>
+            <a:r>
+              <a:rPr/>
+              <a:t>an</a:t>
+            </a:r>
+            <a:r>
+              <a:rPr/>
+              <a:t> </a:t>
+            </a:r>
+            <a:r>
+              <a:rPr/>
+              <a:t>overall</a:t>
+            </a:r>
+            <a:r>
+              <a:rPr/>
+              <a:t> </a:t>
+            </a:r>
+            <a:r>
+              <a:rPr/>
               <a:t>mean</a:t>
             </a:r>
             <a:r>
@@ -3031,182 +2690,6 @@
             </a:r>
             <a:r>
               <a:rPr/>
-              <a:t>change</a:t>
-            </a:r>
-            <a:r>
-              <a:rPr/>
-              <a:t> </a:t>
-            </a:r>
-            <a:r>
-              <a:rPr/>
-              <a:t>is</a:t>
-            </a:r>
-            <a:r>
-              <a:rPr/>
-              <a:t> </a:t>
-            </a:r>
-            <a:r>
-              <a:rPr/>
-              <a:t>not</a:t>
-            </a:r>
-            <a:r>
-              <a:rPr/>
-              <a:t> </a:t>
-            </a:r>
-            <a:r>
-              <a:rPr/>
-              <a:t>exactly</a:t>
-            </a:r>
-            <a:r>
-              <a:rPr/>
-              <a:t> </a:t>
-            </a:r>
-            <a:r>
-              <a:rPr/>
-              <a:t>equal</a:t>
-            </a:r>
-            <a:r>
-              <a:rPr/>
-              <a:t> </a:t>
-            </a:r>
-            <a:r>
-              <a:rPr/>
-              <a:t>to</a:t>
-            </a:r>
-            <a:r>
-              <a:rPr/>
-              <a:t> </a:t>
-            </a:r>
-            <a:r>
-              <a:rPr/>
-              <a:t>the</a:t>
-            </a:r>
-            <a:r>
-              <a:rPr/>
-              <a:t> </a:t>
-            </a:r>
-            <a:r>
-              <a:rPr/>
-              <a:t>difference</a:t>
-            </a:r>
-            <a:r>
-              <a:rPr/>
-              <a:t> </a:t>
-            </a:r>
-            <a:r>
-              <a:rPr/>
-              <a:t>in</a:t>
-            </a:r>
-            <a:r>
-              <a:rPr/>
-              <a:t> </a:t>
-            </a:r>
-            <a:r>
-              <a:rPr/>
-              <a:t>the</a:t>
-            </a:r>
-            <a:r>
-              <a:rPr/>
-              <a:t> </a:t>
-            </a:r>
-            <a:r>
-              <a:rPr/>
-              <a:t>two</a:t>
-            </a:r>
-            <a:r>
-              <a:rPr/>
-              <a:t> </a:t>
-            </a:r>
-            <a:r>
-              <a:rPr/>
-              <a:t>means.</a:t>
-            </a:r>
-            <a:r>
-              <a:rPr/>
-              <a:t> </a:t>
-            </a:r>
-            <a:r>
-              <a:rPr/>
-              <a:t>That</a:t>
-            </a:r>
-            <a:r>
-              <a:rPr/>
-              <a:t> </a:t>
-            </a:r>
-            <a:r>
-              <a:rPr/>
-              <a:t>would</a:t>
-            </a:r>
-            <a:r>
-              <a:rPr/>
-              <a:t> </a:t>
-            </a:r>
-            <a:r>
-              <a:rPr/>
-              <a:t>normally</a:t>
-            </a:r>
-            <a:r>
-              <a:rPr/>
-              <a:t> </a:t>
-            </a:r>
-            <a:r>
-              <a:rPr/>
-              <a:t>be</a:t>
-            </a:r>
-            <a:r>
-              <a:rPr/>
-              <a:t> </a:t>
-            </a:r>
-            <a:r>
-              <a:rPr/>
-              <a:t>the</a:t>
-            </a:r>
-            <a:r>
-              <a:rPr/>
-              <a:t> </a:t>
-            </a:r>
-            <a:r>
-              <a:rPr/>
-              <a:t>case,</a:t>
-            </a:r>
-            <a:r>
-              <a:rPr/>
-              <a:t> </a:t>
-            </a:r>
-            <a:r>
-              <a:rPr/>
-              <a:t>but</a:t>
-            </a:r>
-            <a:r>
-              <a:rPr/>
-              <a:t> </a:t>
-            </a:r>
-            <a:r>
-              <a:rPr/>
-              <a:t>remember</a:t>
-            </a:r>
-            <a:r>
-              <a:rPr/>
-              <a:t> </a:t>
-            </a:r>
-            <a:r>
-              <a:rPr/>
-              <a:t>that</a:t>
-            </a:r>
-            <a:r>
-              <a:rPr/>
-              <a:t> </a:t>
-            </a:r>
-            <a:r>
-              <a:rPr/>
-              <a:t>the</a:t>
-            </a:r>
-            <a:r>
-              <a:rPr/>
-              <a:t> </a:t>
-            </a:r>
-            <a:r>
-              <a:rPr/>
               <a:t>baseline</a:t>
             </a:r>
             <a:r>
@@ -3215,455 +2698,7 @@
             </a:r>
             <a:r>
               <a:rPr/>
-              <a:t>average</a:t>
-            </a:r>
-            <a:r>
-              <a:rPr/>
-              <a:t> </a:t>
-            </a:r>
-            <a:r>
-              <a:rPr/>
-              <a:t>is</a:t>
-            </a:r>
-            <a:r>
-              <a:rPr/>
-              <a:t> </a:t>
-            </a:r>
-            <a:r>
-              <a:rPr/>
-              <a:t>an</a:t>
-            </a:r>
-            <a:r>
-              <a:rPr/>
-              <a:t> </a:t>
-            </a:r>
-            <a:r>
-              <a:rPr/>
-              <a:t>average</a:t>
-            </a:r>
-            <a:r>
-              <a:rPr/>
-              <a:t> </a:t>
-            </a:r>
-            <a:r>
-              <a:rPr/>
-              <a:t>that</a:t>
-            </a:r>
-            <a:r>
-              <a:rPr/>
-              <a:t> </a:t>
-            </a:r>
-            <a:r>
-              <a:rPr/>
-              <a:t>includes</a:t>
-            </a:r>
-            <a:r>
-              <a:rPr/>
-              <a:t> </a:t>
-            </a:r>
-            <a:r>
-              <a:rPr/>
-              <a:t>75</a:t>
-            </a:r>
-            <a:r>
-              <a:rPr/>
-              <a:t> </a:t>
-            </a:r>
-            <a:r>
-              <a:rPr/>
-              <a:t>patients</a:t>
-            </a:r>
-            <a:r>
-              <a:rPr/>
-              <a:t> </a:t>
-            </a:r>
-            <a:r>
-              <a:rPr/>
-              <a:t>wihtout</a:t>
-            </a:r>
-            <a:r>
-              <a:rPr/>
-              <a:t> </a:t>
-            </a:r>
-            <a:r>
-              <a:rPr/>
-              <a:t>a</a:t>
-            </a:r>
-            <a:r>
-              <a:rPr/>
-              <a:t> </a:t>
-            </a:r>
-            <a:r>
-              <a:rPr/>
-              <a:t>corresponding</a:t>
-            </a:r>
-            <a:r>
-              <a:rPr/>
-              <a:t> </a:t>
-            </a:r>
-            <a:r>
-              <a:rPr/>
-              <a:t>three</a:t>
-            </a:r>
-            <a:r>
-              <a:rPr/>
-              <a:t> </a:t>
-            </a:r>
-            <a:r>
-              <a:rPr/>
-              <a:t>month</a:t>
-            </a:r>
-            <a:r>
-              <a:rPr/>
-              <a:t> </a:t>
-            </a:r>
-            <a:r>
-              <a:rPr/>
-              <a:t>value.</a:t>
-            </a:r>
-            <a:r>
-              <a:rPr/>
-              <a:t> </a:t>
-            </a:r>
-            <a:r>
-              <a:rPr/>
-              <a:t>You</a:t>
-            </a:r>
-            <a:r>
-              <a:rPr/>
-              <a:t> </a:t>
-            </a:r>
-            <a:r>
-              <a:rPr/>
-              <a:t>could</a:t>
-            </a:r>
-            <a:r>
-              <a:rPr/>
-              <a:t> </a:t>
-            </a:r>
-            <a:r>
-              <a:rPr/>
-              <a:t>restrict</a:t>
-            </a:r>
-            <a:r>
-              <a:rPr/>
-              <a:t> </a:t>
-            </a:r>
-            <a:r>
-              <a:rPr/>
-              <a:t>the</a:t>
-            </a:r>
-            <a:r>
-              <a:rPr/>
-              <a:t> </a:t>
-            </a:r>
-            <a:r>
-              <a:rPr/>
-              <a:t>data</a:t>
-            </a:r>
-            <a:r>
-              <a:rPr/>
-              <a:t> </a:t>
-            </a:r>
-            <a:r>
-              <a:rPr/>
-              <a:t>so</a:t>
-            </a:r>
-            <a:r>
-              <a:rPr/>
-              <a:t> </a:t>
-            </a:r>
-            <a:r>
-              <a:rPr/>
-              <a:t>that</a:t>
-            </a:r>
-            <a:r>
-              <a:rPr/>
-              <a:t> </a:t>
-            </a:r>
-            <a:r>
-              <a:rPr/>
-              <a:t>the</a:t>
-            </a:r>
-            <a:r>
-              <a:rPr/>
-              <a:t> </a:t>
-            </a:r>
-            <a:r>
-              <a:rPr/>
-              <a:t>baseline</a:t>
-            </a:r>
-            <a:r>
-              <a:rPr/>
-              <a:t> </a:t>
-            </a:r>
-            <a:r>
-              <a:rPr/>
-              <a:t>average</a:t>
-            </a:r>
-            <a:r>
-              <a:rPr/>
-              <a:t> </a:t>
-            </a:r>
-            <a:r>
-              <a:rPr/>
-              <a:t>is</a:t>
-            </a:r>
-            <a:r>
-              <a:rPr/>
-              <a:t> </a:t>
-            </a:r>
-            <a:r>
-              <a:rPr/>
-              <a:t>only</a:t>
-            </a:r>
-            <a:r>
-              <a:rPr/>
-              <a:t> </a:t>
-            </a:r>
-            <a:r>
-              <a:rPr/>
-              <a:t>computed</a:t>
-            </a:r>
-            <a:r>
-              <a:rPr/>
-              <a:t> </a:t>
-            </a:r>
-            <a:r>
-              <a:rPr/>
-              <a:t>for</a:t>
-            </a:r>
-            <a:r>
-              <a:rPr/>
-              <a:t> </a:t>
-            </a:r>
-            <a:r>
-              <a:rPr/>
-              <a:t>those</a:t>
-            </a:r>
-            <a:r>
-              <a:rPr/>
-              <a:t> </a:t>
-            </a:r>
-            <a:r>
-              <a:rPr/>
-              <a:t>patients</a:t>
-            </a:r>
-            <a:r>
-              <a:rPr/>
-              <a:t> </a:t>
-            </a:r>
-            <a:r>
-              <a:rPr/>
-              <a:t>who</a:t>
-            </a:r>
-            <a:r>
-              <a:rPr/>
-              <a:t> </a:t>
-            </a:r>
-            <a:r>
-              <a:rPr/>
-              <a:t>have</a:t>
-            </a:r>
-            <a:r>
-              <a:rPr/>
-              <a:t> </a:t>
-            </a:r>
-            <a:r>
-              <a:rPr/>
-              <a:t>a</a:t>
-            </a:r>
-            <a:r>
-              <a:rPr/>
-              <a:t> </a:t>
-            </a:r>
-            <a:r>
-              <a:rPr/>
-              <a:t>matching</a:t>
-            </a:r>
-            <a:r>
-              <a:rPr/>
-              <a:t> </a:t>
-            </a:r>
-            <a:r>
-              <a:rPr/>
-              <a:t>three</a:t>
-            </a:r>
-            <a:r>
-              <a:rPr/>
-              <a:t> </a:t>
-            </a:r>
-            <a:r>
-              <a:rPr/>
-              <a:t>month</a:t>
-            </a:r>
-            <a:r>
-              <a:rPr/>
-              <a:t> </a:t>
-            </a:r>
-            <a:r>
-              <a:rPr/>
-              <a:t>value.</a:t>
-            </a:r>
-            <a:r>
-              <a:rPr/>
-              <a:t> </a:t>
-            </a:r>
-            <a:r>
-              <a:rPr/>
-              <a:t>You</a:t>
-            </a:r>
-            <a:r>
-              <a:rPr/>
-              <a:t> </a:t>
-            </a:r>
-            <a:r>
-              <a:rPr/>
-              <a:t>could</a:t>
-            </a:r>
-            <a:r>
-              <a:rPr/>
-              <a:t> </a:t>
-            </a:r>
-            <a:r>
-              <a:rPr/>
-              <a:t>do</a:t>
-            </a:r>
-            <a:r>
-              <a:rPr/>
-              <a:t> </a:t>
-            </a:r>
-            <a:r>
-              <a:rPr/>
-              <a:t>this</a:t>
-            </a:r>
-            <a:r>
-              <a:rPr/>
-              <a:t> </a:t>
-            </a:r>
-            <a:r>
-              <a:rPr/>
-              <a:t>using</a:t>
-            </a:r>
-            <a:r>
-              <a:rPr/>
-              <a:t> </a:t>
-            </a:r>
-            <a:r>
-              <a:rPr/>
-              <a:t>an</a:t>
-            </a:r>
-            <a:r>
-              <a:rPr/>
-              <a:t> </a:t>
-            </a:r>
-            <a:r>
-              <a:rPr/>
-              <a:t>inner</a:t>
-            </a:r>
-            <a:r>
-              <a:rPr/>
-              <a:t> </a:t>
-            </a:r>
-            <a:r>
-              <a:rPr/>
-              <a:t>join</a:t>
-            </a:r>
-            <a:r>
-              <a:rPr/>
-              <a:t> </a:t>
-            </a:r>
-            <a:r>
-              <a:rPr/>
-              <a:t>or</a:t>
-            </a:r>
-            <a:r>
-              <a:rPr/>
-              <a:t> </a:t>
-            </a:r>
-            <a:r>
-              <a:rPr/>
-              <a:t>by</a:t>
-            </a:r>
-            <a:r>
-              <a:rPr/>
-              <a:t> </a:t>
-            </a:r>
-            <a:r>
-              <a:rPr/>
-              <a:t>restricting</a:t>
-            </a:r>
-            <a:r>
-              <a:rPr/>
-              <a:t> </a:t>
-            </a:r>
-            <a:r>
-              <a:rPr/>
-              <a:t>the</a:t>
-            </a:r>
-            <a:r>
-              <a:rPr/>
-              <a:t> </a:t>
-            </a:r>
-            <a:r>
-              <a:rPr/>
-              <a:t>data</a:t>
-            </a:r>
-            <a:r>
-              <a:rPr/>
-              <a:t> </a:t>
-            </a:r>
-            <a:r>
-              <a:rPr/>
-              <a:t>to</a:t>
-            </a:r>
-            <a:r>
-              <a:rPr/>
-              <a:t> </a:t>
-            </a:r>
-            <a:r>
-              <a:rPr/>
-              <a:t>cases</a:t>
-            </a:r>
-            <a:r>
-              <a:rPr/>
-              <a:t> </a:t>
-            </a:r>
-            <a:r>
-              <a:rPr/>
-              <a:t>where</a:t>
-            </a:r>
-            <a:r>
-              <a:rPr/>
-              <a:t> </a:t>
-            </a:r>
-            <a:r>
-              <a:rPr/>
-              <a:t>pk2</a:t>
-            </a:r>
-            <a:r>
-              <a:rPr/>
-              <a:t> </a:t>
-            </a:r>
-            <a:r>
-              <a:rPr/>
-              <a:t>is</a:t>
-            </a:r>
-            <a:r>
-              <a:rPr/>
-              <a:t> </a:t>
-            </a:r>
-            <a:r>
-              <a:rPr/>
-              <a:t>not</a:t>
-            </a:r>
-            <a:r>
-              <a:rPr/>
-              <a:t> </a:t>
-            </a:r>
-            <a:r>
-              <a:rPr/>
-              <a:t>null.</a:t>
+              <a:t>score.</a:t>
             </a:r>
           </a:p>
         </p:txBody>
@@ -3745,23 +2780,7 @@
             </a:pPr>
             <a:r>
               <a:rPr/>
-              <a:t>An</a:t>
-            </a:r>
-            <a:r>
-              <a:rPr/>
-              <a:t> </a:t>
-            </a:r>
-            <a:r>
-              <a:rPr/>
-              <a:t>important</a:t>
-            </a:r>
-            <a:r>
-              <a:rPr/>
-              <a:t> </a:t>
-            </a:r>
-            <a:r>
-              <a:rPr/>
-              <a:t>comparison</a:t>
+              <a:t>Here</a:t>
             </a:r>
             <a:r>
               <a:rPr/>
@@ -3777,14 +2796,6 @@
             </a:r>
             <a:r>
               <a:rPr/>
-              <a:t>what</a:t>
-            </a:r>
-            <a:r>
-              <a:rPr/>
-              <a:t> </a:t>
-            </a:r>
-            <a:r>
-              <a:rPr/>
               <a:t>the</a:t>
             </a:r>
             <a:r>
@@ -3793,31 +2804,7 @@
             </a:r>
             <a:r>
               <a:rPr/>
-              <a:t>baseline</a:t>
-            </a:r>
-            <a:r>
-              <a:rPr/>
-              <a:t> </a:t>
-            </a:r>
-            <a:r>
-              <a:rPr/>
-              <a:t>values</a:t>
-            </a:r>
-            <a:r>
-              <a:rPr/>
-              <a:t> </a:t>
-            </a:r>
-            <a:r>
-              <a:rPr/>
-              <a:t>look</a:t>
-            </a:r>
-            <a:r>
-              <a:rPr/>
-              <a:t> </a:t>
-            </a:r>
-            <a:r>
-              <a:rPr/>
-              <a:t>like</a:t>
+              <a:t>mean</a:t>
             </a:r>
             <a:r>
               <a:rPr/>
@@ -3833,46 +2820,6 @@
             </a:r>
             <a:r>
               <a:rPr/>
-              <a:t>the</a:t>
-            </a:r>
-            <a:r>
-              <a:rPr/>
-              <a:t> </a:t>
-            </a:r>
-            <a:r>
-              <a:rPr/>
-              <a:t>drop</a:t>
-            </a:r>
-            <a:r>
-              <a:rPr/>
-              <a:t> </a:t>
-            </a:r>
-            <a:r>
-              <a:rPr/>
-              <a:t>outs</a:t>
-            </a:r>
-            <a:r>
-              <a:rPr/>
-              <a:t> </a:t>
-            </a:r>
-            <a:r>
-              <a:rPr/>
-              <a:t>compared</a:t>
-            </a:r>
-            <a:r>
-              <a:rPr/>
-              <a:t> </a:t>
-            </a:r>
-            <a:r>
-              <a:rPr/>
-              <a:t>to</a:t>
-            </a:r>
-            <a:r>
-              <a:rPr/>
-              <a:t> </a:t>
-            </a:r>
-            <a:r>
-              <a:rPr/>
               <a:t>those</a:t>
             </a:r>
             <a:r>
@@ -3889,119 +2836,15 @@
             </a:r>
             <a:r>
               <a:rPr/>
-              <a:t>stay</a:t>
-            </a:r>
-            <a:r>
-              <a:rPr/>
-              <a:t> </a:t>
-            </a:r>
-            <a:r>
-              <a:rPr/>
-              <a:t>in</a:t>
-            </a:r>
-            <a:r>
-              <a:rPr/>
-              <a:t> </a:t>
-            </a:r>
-            <a:r>
-              <a:rPr/>
-              <a:t>the</a:t>
-            </a:r>
-            <a:r>
-              <a:rPr/>
-              <a:t> </a:t>
-            </a:r>
-            <a:r>
-              <a:rPr/>
-              <a:t>study.</a:t>
-            </a:r>
-            <a:r>
-              <a:rPr/>
-              <a:t> </a:t>
-            </a:r>
-            <a:r>
-              <a:rPr/>
-              <a:t>This</a:t>
-            </a:r>
-            <a:r>
-              <a:rPr/>
-              <a:t> </a:t>
-            </a:r>
-            <a:r>
-              <a:rPr/>
-              <a:t>code</a:t>
-            </a:r>
-            <a:r>
-              <a:rPr/>
-              <a:t> </a:t>
-            </a:r>
-            <a:r>
-              <a:rPr/>
-              <a:t>shows</a:t>
-            </a:r>
-            <a:r>
-              <a:rPr/>
-              <a:t> </a:t>
-            </a:r>
-            <a:r>
-              <a:rPr/>
-              <a:t>how</a:t>
-            </a:r>
-            <a:r>
-              <a:rPr/>
-              <a:t> </a:t>
-            </a:r>
-            <a:r>
-              <a:rPr/>
-              <a:t>to</a:t>
-            </a:r>
-            <a:r>
-              <a:rPr/>
-              <a:t> </a:t>
-            </a:r>
-            <a:r>
-              <a:rPr/>
-              <a:t>get</a:t>
-            </a:r>
-            <a:r>
-              <a:rPr/>
-              <a:t> </a:t>
-            </a:r>
-            <a:r>
-              <a:rPr/>
-              <a:t>an</a:t>
-            </a:r>
-            <a:r>
-              <a:rPr/>
-              <a:t> </a:t>
-            </a:r>
-            <a:r>
-              <a:rPr/>
-              <a:t>overall</a:t>
-            </a:r>
-            <a:r>
-              <a:rPr/>
-              <a:t> </a:t>
-            </a:r>
-            <a:r>
-              <a:rPr/>
-              <a:t>mean</a:t>
-            </a:r>
-            <a:r>
-              <a:rPr/>
-              <a:t> </a:t>
-            </a:r>
-            <a:r>
-              <a:rPr/>
-              <a:t>baseline</a:t>
-            </a:r>
-            <a:r>
-              <a:rPr/>
-              <a:t> </a:t>
-            </a:r>
-            <a:r>
-              <a:rPr/>
-              <a:t>score.</a:t>
+              <a:t>dropped</a:t>
+            </a:r>
+            <a:r>
+              <a:rPr/>
+              <a:t> </a:t>
+            </a:r>
+            <a:r>
+              <a:rPr/>
+              <a:t>out.</a:t>
             </a:r>
           </a:p>
         </p:txBody>
@@ -4139,7 +2982,23 @@
             </a:r>
             <a:r>
               <a:rPr/>
-              <a:t>dropped</a:t>
+              <a:t>did</a:t>
+            </a:r>
+            <a:r>
+              <a:rPr/>
+              <a:t> </a:t>
+            </a:r>
+            <a:r>
+              <a:rPr/>
+              <a:t>not</a:t>
+            </a:r>
+            <a:r>
+              <a:rPr/>
+              <a:t> </a:t>
+            </a:r>
+            <a:r>
+              <a:rPr/>
+              <a:t>drop</a:t>
             </a:r>
             <a:r>
               <a:rPr/>
@@ -4170,168 +3029,6 @@
             <a:fld id="{18BDFEC3-8487-43E8-A154-7C12CBC1FFF2}" type="slidenum">
               <a:rPr lang="en-US"/>
               <a:t>17</a:t>
-            </a:fld>
-            <a:endParaRPr lang="en-US"/>
-          </a:p>
-        </p:txBody>
-      </p:sp>
-    </p:spTree>
-  </p:cSld>
-</p:notes>
-</file>
-
-<file path=ppt/notesSlides/notesSlide17.xml><?xml version="1.0" encoding="utf-8"?>
-<p:notes xmlns:a="http://schemas.openxmlformats.org/drawingml/2006/main" xmlns:r="http://schemas.openxmlformats.org/officeDocument/2006/relationships" xmlns:p="http://schemas.openxmlformats.org/presentationml/2006/main">
-  <p:cSld>
-    <p:spTree>
-      <p:nvGrpSpPr>
-        <p:cNvPr id="1" name=""/>
-        <p:cNvGrpSpPr/>
-        <p:nvPr/>
-      </p:nvGrpSpPr>
-      <p:grpSpPr>
-        <a:xfrm>
-          <a:off x="0" y="0"/>
-          <a:ext cx="0" cy="0"/>
-          <a:chOff x="0" y="0"/>
-          <a:chExt cx="0" cy="0"/>
-        </a:xfrm>
-      </p:grpSpPr>
-      <p:sp>
-        <p:nvSpPr>
-          <p:cNvPr id="2" name="Slide Image Placeholder 1"/>
-          <p:cNvSpPr>
-            <a:spLocks noGrp="1" noRot="1" noChangeAspect="1"/>
-          </p:cNvSpPr>
-          <p:nvPr>
-            <p:ph type="sldImg"/>
-          </p:nvPr>
-        </p:nvSpPr>
-        <p:spPr/>
-      </p:sp>
-      <p:sp>
-        <p:nvSpPr>
-          <p:cNvPr id="3" name="Notes Placeholder 2"/>
-          <p:cNvSpPr>
-            <a:spLocks noGrp="1"/>
-          </p:cNvSpPr>
-          <p:nvPr>
-            <p:ph type="body" idx="1"/>
-          </p:nvPr>
-        </p:nvSpPr>
-        <p:spPr/>
-        <p:txBody>
-          <a:bodyPr/>
-          <a:lstStyle/>
-          <a:p>
-            <a:pPr lvl="0" marL="0" indent="0">
-              <a:buNone/>
-            </a:pPr>
-            <a:r>
-              <a:rPr/>
-              <a:t>Here</a:t>
-            </a:r>
-            <a:r>
-              <a:rPr/>
-              <a:t> </a:t>
-            </a:r>
-            <a:r>
-              <a:rPr/>
-              <a:t>is</a:t>
-            </a:r>
-            <a:r>
-              <a:rPr/>
-              <a:t> </a:t>
-            </a:r>
-            <a:r>
-              <a:rPr/>
-              <a:t>the</a:t>
-            </a:r>
-            <a:r>
-              <a:rPr/>
-              <a:t> </a:t>
-            </a:r>
-            <a:r>
-              <a:rPr/>
-              <a:t>mean</a:t>
-            </a:r>
-            <a:r>
-              <a:rPr/>
-              <a:t> </a:t>
-            </a:r>
-            <a:r>
-              <a:rPr/>
-              <a:t>for</a:t>
-            </a:r>
-            <a:r>
-              <a:rPr/>
-              <a:t> </a:t>
-            </a:r>
-            <a:r>
-              <a:rPr/>
-              <a:t>those</a:t>
-            </a:r>
-            <a:r>
-              <a:rPr/>
-              <a:t> </a:t>
-            </a:r>
-            <a:r>
-              <a:rPr/>
-              <a:t>who</a:t>
-            </a:r>
-            <a:r>
-              <a:rPr/>
-              <a:t> </a:t>
-            </a:r>
-            <a:r>
-              <a:rPr/>
-              <a:t>did</a:t>
-            </a:r>
-            <a:r>
-              <a:rPr/>
-              <a:t> </a:t>
-            </a:r>
-            <a:r>
-              <a:rPr/>
-              <a:t>not</a:t>
-            </a:r>
-            <a:r>
-              <a:rPr/>
-              <a:t> </a:t>
-            </a:r>
-            <a:r>
-              <a:rPr/>
-              <a:t>drop</a:t>
-            </a:r>
-            <a:r>
-              <a:rPr/>
-              <a:t> </a:t>
-            </a:r>
-            <a:r>
-              <a:rPr/>
-              <a:t>out.</a:t>
-            </a:r>
-          </a:p>
-        </p:txBody>
-      </p:sp>
-      <p:sp>
-        <p:nvSpPr>
-          <p:cNvPr id="4" name="Slide Number Placeholder 3"/>
-          <p:cNvSpPr>
-            <a:spLocks noGrp="1"/>
-          </p:cNvSpPr>
-          <p:nvPr>
-            <p:ph type="sldNum" sz="quarter" idx="10"/>
-          </p:nvPr>
-        </p:nvSpPr>
-        <p:spPr/>
-        <p:txBody>
-          <a:bodyPr/>
-          <a:lstStyle/>
-          <a:p>
-            <a:fld id="{18BDFEC3-8487-43E8-A154-7C12CBC1FFF2}" type="slidenum">
-              <a:rPr lang="en-US"/>
-              <a:t>18</a:t>
             </a:fld>
             <a:endParaRPr lang="en-US"/>
           </a:p>
@@ -4391,47 +3088,7 @@
             </a:pPr>
             <a:r>
               <a:rPr/>
-              <a:t>The</a:t>
-            </a:r>
-            <a:r>
-              <a:rPr/>
-              <a:t> </a:t>
-            </a:r>
-            <a:r>
-              <a:rPr/>
-              <a:t>examples</a:t>
-            </a:r>
-            <a:r>
-              <a:rPr/>
-              <a:t> </a:t>
-            </a:r>
-            <a:r>
-              <a:rPr/>
-              <a:t>shown</a:t>
-            </a:r>
-            <a:r>
-              <a:rPr/>
-              <a:t> </a:t>
-            </a:r>
-            <a:r>
-              <a:rPr/>
-              <a:t>here</a:t>
-            </a:r>
-            <a:r>
-              <a:rPr/>
-              <a:t> </a:t>
-            </a:r>
-            <a:r>
-              <a:rPr/>
-              <a:t>will</a:t>
-            </a:r>
-            <a:r>
-              <a:rPr/>
-              <a:t> </a:t>
-            </a:r>
-            <a:r>
-              <a:rPr/>
-              <a:t>use</a:t>
+              <a:t>Here’s</a:t>
             </a:r>
             <a:r>
               <a:rPr/>
@@ -4447,47 +3104,7 @@
             </a:r>
             <a:r>
               <a:rPr/>
-              <a:t>database</a:t>
-            </a:r>
-            <a:r>
-              <a:rPr/>
-              <a:t> </a:t>
-            </a:r>
-            <a:r>
-              <a:rPr/>
-              <a:t>longitudinal_examples_db.</a:t>
-            </a:r>
-            <a:r>
-              <a:rPr/>
-              <a:t> </a:t>
-            </a:r>
-            <a:r>
-              <a:rPr/>
-              <a:t>Here</a:t>
-            </a:r>
-            <a:r>
-              <a:rPr/>
-              <a:t> </a:t>
-            </a:r>
-            <a:r>
-              <a:rPr/>
-              <a:t>is</a:t>
-            </a:r>
-            <a:r>
-              <a:rPr/>
-              <a:t> </a:t>
-            </a:r>
-            <a:r>
-              <a:rPr/>
-              <a:t>a</a:t>
-            </a:r>
-            <a:r>
-              <a:rPr/>
-              <a:t> </a:t>
-            </a:r>
-            <a:r>
-              <a:rPr/>
-              <a:t>list</a:t>
+              <a:t>count</a:t>
             </a:r>
             <a:r>
               <a:rPr/>
@@ -4511,7 +3128,23 @@
             </a:r>
             <a:r>
               <a:rPr/>
-              <a:t>tables</a:t>
+              <a:t>number</a:t>
+            </a:r>
+            <a:r>
+              <a:rPr/>
+              <a:t> </a:t>
+            </a:r>
+            <a:r>
+              <a:rPr/>
+              <a:t>of</a:t>
+            </a:r>
+            <a:r>
+              <a:rPr/>
+              <a:t> </a:t>
+            </a:r>
+            <a:r>
+              <a:rPr/>
+              <a:t>records</a:t>
             </a:r>
             <a:r>
               <a:rPr/>
@@ -4527,15 +3160,7 @@
             </a:r>
             <a:r>
               <a:rPr/>
-              <a:t>this</a:t>
-            </a:r>
-            <a:r>
-              <a:rPr/>
-              <a:t> </a:t>
-            </a:r>
-            <a:r>
-              <a:rPr/>
-              <a:t>database.</a:t>
+              <a:t>baseline_table.</a:t>
             </a:r>
           </a:p>
         </p:txBody>
@@ -4617,7 +3242,15 @@
             </a:pPr>
             <a:r>
               <a:rPr/>
-              <a:t>Here’s</a:t>
+              <a:t>And</a:t>
+            </a:r>
+            <a:r>
+              <a:rPr/>
+              <a:t> </a:t>
+            </a:r>
+            <a:r>
+              <a:rPr/>
+              <a:t>here’s</a:t>
             </a:r>
             <a:r>
               <a:rPr/>
@@ -4689,7 +3322,7 @@
             </a:r>
             <a:r>
               <a:rPr/>
-              <a:t>baseline_table.</a:t>
+              <a:t>three_month_table.</a:t>
             </a:r>
           </a:p>
         </p:txBody>
@@ -4771,15 +3404,15 @@
             </a:pPr>
             <a:r>
               <a:rPr/>
-              <a:t>And</a:t>
-            </a:r>
-            <a:r>
-              <a:rPr/>
-              <a:t> </a:t>
-            </a:r>
-            <a:r>
-              <a:rPr/>
-              <a:t>here’s</a:t>
+              <a:t>HEre</a:t>
+            </a:r>
+            <a:r>
+              <a:rPr/>
+              <a:t> </a:t>
+            </a:r>
+            <a:r>
+              <a:rPr/>
+              <a:t>is</a:t>
             </a:r>
             <a:r>
               <a:rPr/>
@@ -4819,39 +3452,15 @@
             </a:r>
             <a:r>
               <a:rPr/>
-              <a:t>number</a:t>
-            </a:r>
-            <a:r>
-              <a:rPr/>
-              <a:t> </a:t>
-            </a:r>
-            <a:r>
-              <a:rPr/>
-              <a:t>of</a:t>
-            </a:r>
-            <a:r>
-              <a:rPr/>
-              <a:t> </a:t>
-            </a:r>
-            <a:r>
-              <a:rPr/>
-              <a:t>records</a:t>
-            </a:r>
-            <a:r>
-              <a:rPr/>
-              <a:t> </a:t>
-            </a:r>
-            <a:r>
-              <a:rPr/>
-              <a:t>in</a:t>
-            </a:r>
-            <a:r>
-              <a:rPr/>
-              <a:t> </a:t>
-            </a:r>
-            <a:r>
-              <a:rPr/>
-              <a:t>three_month_table.</a:t>
+              <a:t>inner</a:t>
+            </a:r>
+            <a:r>
+              <a:rPr/>
+              <a:t> </a:t>
+            </a:r>
+            <a:r>
+              <a:rPr/>
+              <a:t>join.</a:t>
             </a:r>
           </a:p>
         </p:txBody>
@@ -4933,7 +3542,7 @@
             </a:pPr>
             <a:r>
               <a:rPr/>
-              <a:t>HEre</a:t>
+              <a:t>Here</a:t>
             </a:r>
             <a:r>
               <a:rPr/>
@@ -4981,7 +3590,7 @@
             </a:r>
             <a:r>
               <a:rPr/>
-              <a:t>inner</a:t>
+              <a:t>left</a:t>
             </a:r>
             <a:r>
               <a:rPr/>
@@ -5111,6 +3720,54 @@
             </a:r>
             <a:r>
               <a:rPr/>
+              <a:t>males</a:t>
+            </a:r>
+            <a:r>
+              <a:rPr/>
+              <a:t> </a:t>
+            </a:r>
+            <a:r>
+              <a:rPr/>
+              <a:t>and</a:t>
+            </a:r>
+            <a:r>
+              <a:rPr/>
+              <a:t> </a:t>
+            </a:r>
+            <a:r>
+              <a:rPr/>
+              <a:t>females,</a:t>
+            </a:r>
+            <a:r>
+              <a:rPr/>
+              <a:t> </a:t>
+            </a:r>
+            <a:r>
+              <a:rPr/>
+              <a:t>but</a:t>
+            </a:r>
+            <a:r>
+              <a:rPr/>
+              <a:t> </a:t>
+            </a:r>
+            <a:r>
+              <a:rPr/>
+              <a:t>it</a:t>
+            </a:r>
+            <a:r>
+              <a:rPr/>
+              <a:t> </a:t>
+            </a:r>
+            <a:r>
+              <a:rPr/>
+              <a:t>uses</a:t>
+            </a:r>
+            <a:r>
+              <a:rPr/>
+              <a:t> </a:t>
+            </a:r>
+            <a:r>
+              <a:rPr/>
               <a:t>the</a:t>
             </a:r>
             <a:r>
@@ -5119,15 +3776,15 @@
             </a:r>
             <a:r>
               <a:rPr/>
-              <a:t>left</a:t>
-            </a:r>
-            <a:r>
-              <a:rPr/>
-              <a:t> </a:t>
-            </a:r>
-            <a:r>
-              <a:rPr/>
-              <a:t>join.</a:t>
+              <a:t>number</a:t>
+            </a:r>
+            <a:r>
+              <a:rPr/>
+              <a:t> </a:t>
+            </a:r>
+            <a:r>
+              <a:rPr/>
+              <a:t>code.</a:t>
             </a:r>
           </a:p>
         </p:txBody>
@@ -5273,23 +3930,7 @@
             </a:r>
             <a:r>
               <a:rPr/>
-              <a:t>but</a:t>
-            </a:r>
-            <a:r>
-              <a:rPr/>
-              <a:t> </a:t>
-            </a:r>
-            <a:r>
-              <a:rPr/>
-              <a:t>it</a:t>
-            </a:r>
-            <a:r>
-              <a:rPr/>
-              <a:t> </a:t>
-            </a:r>
-            <a:r>
-              <a:rPr/>
-              <a:t>uses</a:t>
+              <a:t>using</a:t>
             </a:r>
             <a:r>
               <a:rPr/>
@@ -5305,15 +3946,71 @@
             </a:r>
             <a:r>
               <a:rPr/>
-              <a:t>number</a:t>
-            </a:r>
-            <a:r>
-              <a:rPr/>
-              <a:t> </a:t>
-            </a:r>
-            <a:r>
-              <a:rPr/>
-              <a:t>code.</a:t>
+              <a:t>sex_label</a:t>
+            </a:r>
+            <a:r>
+              <a:rPr/>
+              <a:t> </a:t>
+            </a:r>
+            <a:r>
+              <a:rPr/>
+              <a:t>field</a:t>
+            </a:r>
+            <a:r>
+              <a:rPr/>
+              <a:t> </a:t>
+            </a:r>
+            <a:r>
+              <a:rPr/>
+              <a:t>that</a:t>
+            </a:r>
+            <a:r>
+              <a:rPr/>
+              <a:t> </a:t>
+            </a:r>
+            <a:r>
+              <a:rPr/>
+              <a:t>is</a:t>
+            </a:r>
+            <a:r>
+              <a:rPr/>
+              <a:t> </a:t>
+            </a:r>
+            <a:r>
+              <a:rPr/>
+              <a:t>only</a:t>
+            </a:r>
+            <a:r>
+              <a:rPr/>
+              <a:t> </a:t>
+            </a:r>
+            <a:r>
+              <a:rPr/>
+              <a:t>available</a:t>
+            </a:r>
+            <a:r>
+              <a:rPr/>
+              <a:t> </a:t>
+            </a:r>
+            <a:r>
+              <a:rPr/>
+              <a:t>after</a:t>
+            </a:r>
+            <a:r>
+              <a:rPr/>
+              <a:t> </a:t>
+            </a:r>
+            <a:r>
+              <a:rPr/>
+              <a:t>the</a:t>
+            </a:r>
+            <a:r>
+              <a:rPr/>
+              <a:t> </a:t>
+            </a:r>
+            <a:r>
+              <a:rPr/>
+              <a:t>merge.</a:t>
             </a:r>
           </a:p>
         </p:txBody>
@@ -5395,7 +4092,7 @@
             </a:pPr>
             <a:r>
               <a:rPr/>
-              <a:t>Here</a:t>
+              <a:t>There</a:t>
             </a:r>
             <a:r>
               <a:rPr/>
@@ -5411,6 +4108,102 @@
             </a:r>
             <a:r>
               <a:rPr/>
+              <a:t>an</a:t>
+            </a:r>
+            <a:r>
+              <a:rPr/>
+              <a:t> </a:t>
+            </a:r>
+            <a:r>
+              <a:rPr/>
+              <a:t>unmatched</a:t>
+            </a:r>
+            <a:r>
+              <a:rPr/>
+              <a:t> </a:t>
+            </a:r>
+            <a:r>
+              <a:rPr/>
+              <a:t>label</a:t>
+            </a:r>
+            <a:r>
+              <a:rPr/>
+              <a:t> </a:t>
+            </a:r>
+            <a:r>
+              <a:rPr/>
+              <a:t>(9=unknown)</a:t>
+            </a:r>
+            <a:r>
+              <a:rPr/>
+              <a:t> </a:t>
+            </a:r>
+            <a:r>
+              <a:rPr/>
+              <a:t>and</a:t>
+            </a:r>
+            <a:r>
+              <a:rPr/>
+              <a:t> </a:t>
+            </a:r>
+            <a:r>
+              <a:rPr/>
+              <a:t>if</a:t>
+            </a:r>
+            <a:r>
+              <a:rPr/>
+              <a:t> </a:t>
+            </a:r>
+            <a:r>
+              <a:rPr/>
+              <a:t>you</a:t>
+            </a:r>
+            <a:r>
+              <a:rPr/>
+              <a:t> </a:t>
+            </a:r>
+            <a:r>
+              <a:rPr/>
+              <a:t>wanted</a:t>
+            </a:r>
+            <a:r>
+              <a:rPr/>
+              <a:t> </a:t>
+            </a:r>
+            <a:r>
+              <a:rPr/>
+              <a:t>to</a:t>
+            </a:r>
+            <a:r>
+              <a:rPr/>
+              <a:t> </a:t>
+            </a:r>
+            <a:r>
+              <a:rPr/>
+              <a:t>include</a:t>
+            </a:r>
+            <a:r>
+              <a:rPr/>
+              <a:t> </a:t>
+            </a:r>
+            <a:r>
+              <a:rPr/>
+              <a:t>that</a:t>
+            </a:r>
+            <a:r>
+              <a:rPr/>
+              <a:t> </a:t>
+            </a:r>
+            <a:r>
+              <a:rPr/>
+              <a:t>in</a:t>
+            </a:r>
+            <a:r>
+              <a:rPr/>
+              <a:t> </a:t>
+            </a:r>
+            <a:r>
+              <a:rPr/>
               <a:t>the</a:t>
             </a:r>
             <a:r>
@@ -5419,6 +4212,294 @@
             </a:r>
             <a:r>
               <a:rPr/>
+              <a:t>table</a:t>
+            </a:r>
+            <a:r>
+              <a:rPr/>
+              <a:t> </a:t>
+            </a:r>
+            <a:r>
+              <a:rPr/>
+              <a:t>of</a:t>
+            </a:r>
+            <a:r>
+              <a:rPr/>
+              <a:t> </a:t>
+            </a:r>
+            <a:r>
+              <a:rPr/>
+              <a:t>counts,</a:t>
+            </a:r>
+            <a:r>
+              <a:rPr/>
+              <a:t> </a:t>
+            </a:r>
+            <a:r>
+              <a:rPr/>
+              <a:t>switch</a:t>
+            </a:r>
+            <a:r>
+              <a:rPr/>
+              <a:t> </a:t>
+            </a:r>
+            <a:r>
+              <a:rPr/>
+              <a:t>the</a:t>
+            </a:r>
+            <a:r>
+              <a:rPr/>
+              <a:t> </a:t>
+            </a:r>
+            <a:r>
+              <a:rPr/>
+              <a:t>order</a:t>
+            </a:r>
+            <a:r>
+              <a:rPr/>
+              <a:t> </a:t>
+            </a:r>
+            <a:r>
+              <a:rPr/>
+              <a:t>of</a:t>
+            </a:r>
+            <a:r>
+              <a:rPr/>
+              <a:t> </a:t>
+            </a:r>
+            <a:r>
+              <a:rPr/>
+              <a:t>tables</a:t>
+            </a:r>
+            <a:r>
+              <a:rPr/>
+              <a:t> </a:t>
+            </a:r>
+            <a:r>
+              <a:rPr/>
+              <a:t>and</a:t>
+            </a:r>
+            <a:r>
+              <a:rPr/>
+              <a:t> </a:t>
+            </a:r>
+            <a:r>
+              <a:rPr/>
+              <a:t>use</a:t>
+            </a:r>
+            <a:r>
+              <a:rPr/>
+              <a:t> </a:t>
+            </a:r>
+            <a:r>
+              <a:rPr/>
+              <a:t>count(sex)</a:t>
+            </a:r>
+            <a:r>
+              <a:rPr/>
+              <a:t> </a:t>
+            </a:r>
+            <a:r>
+              <a:rPr/>
+              <a:t>rather</a:t>
+            </a:r>
+            <a:r>
+              <a:rPr/>
+              <a:t> </a:t>
+            </a:r>
+            <a:r>
+              <a:rPr/>
+              <a:t>than</a:t>
+            </a:r>
+            <a:r>
+              <a:rPr/>
+              <a:t> </a:t>
+            </a:r>
+            <a:r>
+              <a:rPr/>
+              <a:t>count(*).</a:t>
+            </a:r>
+            <a:r>
+              <a:rPr/>
+              <a:t> </a:t>
+            </a:r>
+            <a:r>
+              <a:rPr/>
+              <a:t>There</a:t>
+            </a:r>
+            <a:r>
+              <a:rPr/>
+              <a:t> </a:t>
+            </a:r>
+            <a:r>
+              <a:rPr/>
+              <a:t>will</a:t>
+            </a:r>
+            <a:r>
+              <a:rPr/>
+              <a:t> </a:t>
+            </a:r>
+            <a:r>
+              <a:rPr/>
+              <a:t>be</a:t>
+            </a:r>
+            <a:r>
+              <a:rPr/>
+              <a:t> </a:t>
+            </a:r>
+            <a:r>
+              <a:rPr/>
+              <a:t>one</a:t>
+            </a:r>
+            <a:r>
+              <a:rPr/>
+              <a:t> </a:t>
+            </a:r>
+            <a:r>
+              <a:rPr/>
+              <a:t>row</a:t>
+            </a:r>
+            <a:r>
+              <a:rPr/>
+              <a:t> </a:t>
+            </a:r>
+            <a:r>
+              <a:rPr/>
+              <a:t>in</a:t>
+            </a:r>
+            <a:r>
+              <a:rPr/>
+              <a:t> </a:t>
+            </a:r>
+            <a:r>
+              <a:rPr/>
+              <a:t>the</a:t>
+            </a:r>
+            <a:r>
+              <a:rPr/>
+              <a:t> </a:t>
+            </a:r>
+            <a:r>
+              <a:rPr/>
+              <a:t>database</a:t>
+            </a:r>
+            <a:r>
+              <a:rPr/>
+              <a:t> </a:t>
+            </a:r>
+            <a:r>
+              <a:rPr/>
+              <a:t>for</a:t>
+            </a:r>
+            <a:r>
+              <a:rPr/>
+              <a:t> </a:t>
+            </a:r>
+            <a:r>
+              <a:rPr/>
+              <a:t>the</a:t>
+            </a:r>
+            <a:r>
+              <a:rPr/>
+              <a:t> </a:t>
+            </a:r>
+            <a:r>
+              <a:rPr/>
+              <a:t>mismatch,</a:t>
+            </a:r>
+            <a:r>
+              <a:rPr/>
+              <a:t> </a:t>
+            </a:r>
+            <a:r>
+              <a:rPr/>
+              <a:t>but</a:t>
+            </a:r>
+            <a:r>
+              <a:rPr/>
+              <a:t> </a:t>
+            </a:r>
+            <a:r>
+              <a:rPr/>
+              <a:t>since</a:t>
+            </a:r>
+            <a:r>
+              <a:rPr/>
+              <a:t> </a:t>
+            </a:r>
+            <a:r>
+              <a:rPr/>
+              <a:t>that</a:t>
+            </a:r>
+            <a:r>
+              <a:rPr/>
+              <a:t> </a:t>
+            </a:r>
+            <a:r>
+              <a:rPr/>
+              <a:t>will</a:t>
+            </a:r>
+            <a:r>
+              <a:rPr/>
+              <a:t> </a:t>
+            </a:r>
+            <a:r>
+              <a:rPr/>
+              <a:t>have</a:t>
+            </a:r>
+            <a:r>
+              <a:rPr/>
+              <a:t> </a:t>
+            </a:r>
+            <a:r>
+              <a:rPr/>
+              <a:t>a</a:t>
+            </a:r>
+            <a:r>
+              <a:rPr/>
+              <a:t> </a:t>
+            </a:r>
+            <a:r>
+              <a:rPr/>
+              <a:t>missing</a:t>
+            </a:r>
+            <a:r>
+              <a:rPr/>
+              <a:t> </a:t>
+            </a:r>
+            <a:r>
+              <a:rPr/>
+              <a:t>value</a:t>
+            </a:r>
+            <a:r>
+              <a:rPr/>
+              <a:t> </a:t>
+            </a:r>
+            <a:r>
+              <a:rPr/>
+              <a:t>for</a:t>
+            </a:r>
+            <a:r>
+              <a:rPr/>
+              <a:t> </a:t>
+            </a:r>
+            <a:r>
+              <a:rPr/>
+              <a:t>sex,</a:t>
+            </a:r>
+            <a:r>
+              <a:rPr/>
+              <a:t> </a:t>
+            </a:r>
+            <a:r>
+              <a:rPr/>
+              <a:t>the</a:t>
+            </a:r>
+            <a:r>
+              <a:rPr/>
+              <a:t> </a:t>
+            </a:r>
+            <a:r>
+              <a:rPr/>
               <a:t>count</a:t>
             </a:r>
             <a:r>
@@ -5427,6 +4508,86 @@
             </a:r>
             <a:r>
               <a:rPr/>
+              <a:t>function</a:t>
+            </a:r>
+            <a:r>
+              <a:rPr/>
+              <a:t> </a:t>
+            </a:r>
+            <a:r>
+              <a:rPr/>
+              <a:t>will</a:t>
+            </a:r>
+            <a:r>
+              <a:rPr/>
+              <a:t> </a:t>
+            </a:r>
+            <a:r>
+              <a:rPr/>
+              <a:t>not</a:t>
+            </a:r>
+            <a:r>
+              <a:rPr/>
+              <a:t> </a:t>
+            </a:r>
+            <a:r>
+              <a:rPr/>
+              <a:t>register</a:t>
+            </a:r>
+            <a:r>
+              <a:rPr/>
+              <a:t> </a:t>
+            </a:r>
+            <a:r>
+              <a:rPr/>
+              <a:t>for</a:t>
+            </a:r>
+            <a:r>
+              <a:rPr/>
+              <a:t> </a:t>
+            </a:r>
+            <a:r>
+              <a:rPr/>
+              <a:t>that</a:t>
+            </a:r>
+            <a:r>
+              <a:rPr/>
+              <a:t> </a:t>
+            </a:r>
+            <a:r>
+              <a:rPr/>
+              <a:t>record,</a:t>
+            </a:r>
+            <a:r>
+              <a:rPr/>
+              <a:t> </a:t>
+            </a:r>
+            <a:r>
+              <a:rPr/>
+              <a:t>producing</a:t>
+            </a:r>
+            <a:r>
+              <a:rPr/>
+              <a:t> </a:t>
+            </a:r>
+            <a:r>
+              <a:rPr/>
+              <a:t>a</a:t>
+            </a:r>
+            <a:r>
+              <a:rPr/>
+              <a:t> </a:t>
+            </a:r>
+            <a:r>
+              <a:rPr/>
+              <a:t>count</a:t>
+            </a:r>
+            <a:r>
+              <a:rPr/>
+              <a:t> </a:t>
+            </a:r>
+            <a:r>
+              <a:rPr/>
               <a:t>of</a:t>
             </a:r>
             <a:r>
@@ -5435,111 +4596,7 @@
             </a:r>
             <a:r>
               <a:rPr/>
-              <a:t>males</a:t>
-            </a:r>
-            <a:r>
-              <a:rPr/>
-              <a:t> </a:t>
-            </a:r>
-            <a:r>
-              <a:rPr/>
-              <a:t>and</a:t>
-            </a:r>
-            <a:r>
-              <a:rPr/>
-              <a:t> </a:t>
-            </a:r>
-            <a:r>
-              <a:rPr/>
-              <a:t>females,</a:t>
-            </a:r>
-            <a:r>
-              <a:rPr/>
-              <a:t> </a:t>
-            </a:r>
-            <a:r>
-              <a:rPr/>
-              <a:t>using</a:t>
-            </a:r>
-            <a:r>
-              <a:rPr/>
-              <a:t> </a:t>
-            </a:r>
-            <a:r>
-              <a:rPr/>
-              <a:t>the</a:t>
-            </a:r>
-            <a:r>
-              <a:rPr/>
-              <a:t> </a:t>
-            </a:r>
-            <a:r>
-              <a:rPr/>
-              <a:t>sex_label</a:t>
-            </a:r>
-            <a:r>
-              <a:rPr/>
-              <a:t> </a:t>
-            </a:r>
-            <a:r>
-              <a:rPr/>
-              <a:t>field</a:t>
-            </a:r>
-            <a:r>
-              <a:rPr/>
-              <a:t> </a:t>
-            </a:r>
-            <a:r>
-              <a:rPr/>
-              <a:t>that</a:t>
-            </a:r>
-            <a:r>
-              <a:rPr/>
-              <a:t> </a:t>
-            </a:r>
-            <a:r>
-              <a:rPr/>
-              <a:t>is</a:t>
-            </a:r>
-            <a:r>
-              <a:rPr/>
-              <a:t> </a:t>
-            </a:r>
-            <a:r>
-              <a:rPr/>
-              <a:t>only</a:t>
-            </a:r>
-            <a:r>
-              <a:rPr/>
-              <a:t> </a:t>
-            </a:r>
-            <a:r>
-              <a:rPr/>
-              <a:t>available</a:t>
-            </a:r>
-            <a:r>
-              <a:rPr/>
-              <a:t> </a:t>
-            </a:r>
-            <a:r>
-              <a:rPr/>
-              <a:t>after</a:t>
-            </a:r>
-            <a:r>
-              <a:rPr/>
-              <a:t> </a:t>
-            </a:r>
-            <a:r>
-              <a:rPr/>
-              <a:t>the</a:t>
-            </a:r>
-            <a:r>
-              <a:rPr/>
-              <a:t> </a:t>
-            </a:r>
-            <a:r>
-              <a:rPr/>
-              <a:t>merge.</a:t>
+              <a:t>0.</a:t>
             </a:r>
           </a:p>
         </p:txBody>
@@ -5621,6 +4678,190 @@
             </a:pPr>
             <a:r>
               <a:rPr/>
+              <a:t>If</a:t>
+            </a:r>
+            <a:r>
+              <a:rPr/>
+              <a:t> </a:t>
+            </a:r>
+            <a:r>
+              <a:rPr/>
+              <a:t>you</a:t>
+            </a:r>
+            <a:r>
+              <a:rPr/>
+              <a:t> </a:t>
+            </a:r>
+            <a:r>
+              <a:rPr/>
+              <a:t>want</a:t>
+            </a:r>
+            <a:r>
+              <a:rPr/>
+              <a:t> </a:t>
+            </a:r>
+            <a:r>
+              <a:rPr/>
+              <a:t>a</a:t>
+            </a:r>
+            <a:r>
+              <a:rPr/>
+              <a:t> </a:t>
+            </a:r>
+            <a:r>
+              <a:rPr/>
+              <a:t>list</a:t>
+            </a:r>
+            <a:r>
+              <a:rPr/>
+              <a:t> </a:t>
+            </a:r>
+            <a:r>
+              <a:rPr/>
+              <a:t>of</a:t>
+            </a:r>
+            <a:r>
+              <a:rPr/>
+              <a:t> </a:t>
+            </a:r>
+            <a:r>
+              <a:rPr/>
+              <a:t>ids</a:t>
+            </a:r>
+            <a:r>
+              <a:rPr/>
+              <a:t> </a:t>
+            </a:r>
+            <a:r>
+              <a:rPr/>
+              <a:t>where</a:t>
+            </a:r>
+            <a:r>
+              <a:rPr/>
+              <a:t> </a:t>
+            </a:r>
+            <a:r>
+              <a:rPr/>
+              <a:t>two</a:t>
+            </a:r>
+            <a:r>
+              <a:rPr/>
+              <a:t> </a:t>
+            </a:r>
+            <a:r>
+              <a:rPr/>
+              <a:t>tables</a:t>
+            </a:r>
+            <a:r>
+              <a:rPr/>
+              <a:t> </a:t>
+            </a:r>
+            <a:r>
+              <a:rPr/>
+              <a:t>fail</a:t>
+            </a:r>
+            <a:r>
+              <a:rPr/>
+              <a:t> </a:t>
+            </a:r>
+            <a:r>
+              <a:rPr/>
+              <a:t>to</a:t>
+            </a:r>
+            <a:r>
+              <a:rPr/>
+              <a:t> </a:t>
+            </a:r>
+            <a:r>
+              <a:rPr/>
+              <a:t>match,</a:t>
+            </a:r>
+            <a:r>
+              <a:rPr/>
+              <a:t> </a:t>
+            </a:r>
+            <a:r>
+              <a:rPr/>
+              <a:t>look</a:t>
+            </a:r>
+            <a:r>
+              <a:rPr/>
+              <a:t> </a:t>
+            </a:r>
+            <a:r>
+              <a:rPr/>
+              <a:t>for</a:t>
+            </a:r>
+            <a:r>
+              <a:rPr/>
+              <a:t> </a:t>
+            </a:r>
+            <a:r>
+              <a:rPr/>
+              <a:t>a</a:t>
+            </a:r>
+            <a:r>
+              <a:rPr/>
+              <a:t> </a:t>
+            </a:r>
+            <a:r>
+              <a:rPr/>
+              <a:t>null</a:t>
+            </a:r>
+            <a:r>
+              <a:rPr/>
+              <a:t> </a:t>
+            </a:r>
+            <a:r>
+              <a:rPr/>
+              <a:t>value</a:t>
+            </a:r>
+            <a:r>
+              <a:rPr/>
+              <a:t> </a:t>
+            </a:r>
+            <a:r>
+              <a:rPr/>
+              <a:t>in</a:t>
+            </a:r>
+            <a:r>
+              <a:rPr/>
+              <a:t> </a:t>
+            </a:r>
+            <a:r>
+              <a:rPr/>
+              <a:t>one</a:t>
+            </a:r>
+            <a:r>
+              <a:rPr/>
+              <a:t> </a:t>
+            </a:r>
+            <a:r>
+              <a:rPr/>
+              <a:t>of</a:t>
+            </a:r>
+            <a:r>
+              <a:rPr/>
+              <a:t> </a:t>
+            </a:r>
+            <a:r>
+              <a:rPr/>
+              <a:t>the</a:t>
+            </a:r>
+            <a:r>
+              <a:rPr/>
+              <a:t> </a:t>
+            </a:r>
+            <a:r>
+              <a:rPr/>
+              <a:t>tables.</a:t>
+            </a:r>
+            <a:r>
+              <a:rPr/>
+              <a:t> </a:t>
+            </a:r>
+            <a:r>
+              <a:rPr/>
               <a:t>There</a:t>
             </a:r>
             <a:r>
@@ -5629,119 +4870,79 @@
             </a:r>
             <a:r>
               <a:rPr/>
-              <a:t>is</a:t>
-            </a:r>
-            <a:r>
-              <a:rPr/>
-              <a:t> </a:t>
-            </a:r>
-            <a:r>
-              <a:rPr/>
-              <a:t>an</a:t>
-            </a:r>
-            <a:r>
-              <a:rPr/>
-              <a:t> </a:t>
-            </a:r>
-            <a:r>
-              <a:rPr/>
-              <a:t>unmatched</a:t>
-            </a:r>
-            <a:r>
-              <a:rPr/>
-              <a:t> </a:t>
-            </a:r>
-            <a:r>
-              <a:rPr/>
-              <a:t>label</a:t>
-            </a:r>
-            <a:r>
-              <a:rPr/>
-              <a:t> </a:t>
-            </a:r>
-            <a:r>
-              <a:rPr/>
-              <a:t>(9=unknown)</a:t>
-            </a:r>
-            <a:r>
-              <a:rPr/>
-              <a:t> </a:t>
-            </a:r>
-            <a:r>
-              <a:rPr/>
-              <a:t>and</a:t>
-            </a:r>
-            <a:r>
-              <a:rPr/>
-              <a:t> </a:t>
-            </a:r>
-            <a:r>
-              <a:rPr/>
-              <a:t>if</a:t>
-            </a:r>
-            <a:r>
-              <a:rPr/>
-              <a:t> </a:t>
-            </a:r>
-            <a:r>
-              <a:rPr/>
-              <a:t>you</a:t>
-            </a:r>
-            <a:r>
-              <a:rPr/>
-              <a:t> </a:t>
-            </a:r>
-            <a:r>
-              <a:rPr/>
-              <a:t>wanted</a:t>
-            </a:r>
-            <a:r>
-              <a:rPr/>
-              <a:t> </a:t>
-            </a:r>
-            <a:r>
-              <a:rPr/>
-              <a:t>to</a:t>
-            </a:r>
-            <a:r>
-              <a:rPr/>
-              <a:t> </a:t>
-            </a:r>
-            <a:r>
-              <a:rPr/>
-              <a:t>include</a:t>
-            </a:r>
-            <a:r>
-              <a:rPr/>
-              <a:t> </a:t>
-            </a:r>
-            <a:r>
-              <a:rPr/>
-              <a:t>that</a:t>
-            </a:r>
-            <a:r>
-              <a:rPr/>
-              <a:t> </a:t>
-            </a:r>
-            <a:r>
-              <a:rPr/>
-              <a:t>in</a:t>
-            </a:r>
-            <a:r>
-              <a:rPr/>
-              <a:t> </a:t>
-            </a:r>
-            <a:r>
-              <a:rPr/>
-              <a:t>the</a:t>
-            </a:r>
-            <a:r>
-              <a:rPr/>
-              <a:t> </a:t>
-            </a:r>
-            <a:r>
-              <a:rPr/>
-              <a:t>table</a:t>
+              <a:t>are</a:t>
+            </a:r>
+            <a:r>
+              <a:rPr/>
+              <a:t> </a:t>
+            </a:r>
+            <a:r>
+              <a:rPr/>
+              <a:t>75</a:t>
+            </a:r>
+            <a:r>
+              <a:rPr/>
+              <a:t> </a:t>
+            </a:r>
+            <a:r>
+              <a:rPr/>
+              <a:t>ids,</a:t>
+            </a:r>
+            <a:r>
+              <a:rPr/>
+              <a:t> </a:t>
+            </a:r>
+            <a:r>
+              <a:rPr/>
+              <a:t>so</a:t>
+            </a:r>
+            <a:r>
+              <a:rPr/>
+              <a:t> </a:t>
+            </a:r>
+            <a:r>
+              <a:rPr/>
+              <a:t>I</a:t>
+            </a:r>
+            <a:r>
+              <a:rPr/>
+              <a:t> </a:t>
+            </a:r>
+            <a:r>
+              <a:rPr/>
+              <a:t>could</a:t>
+            </a:r>
+            <a:r>
+              <a:rPr/>
+              <a:t> </a:t>
+            </a:r>
+            <a:r>
+              <a:rPr/>
+              <a:t>not</a:t>
+            </a:r>
+            <a:r>
+              <a:rPr/>
+              <a:t> </a:t>
+            </a:r>
+            <a:r>
+              <a:rPr/>
+              <a:t>print</a:t>
+            </a:r>
+            <a:r>
+              <a:rPr/>
+              <a:t> </a:t>
+            </a:r>
+            <a:r>
+              <a:rPr/>
+              <a:t>out</a:t>
+            </a:r>
+            <a:r>
+              <a:rPr/>
+              <a:t> </a:t>
+            </a:r>
+            <a:r>
+              <a:rPr/>
+              <a:t>all</a:t>
             </a:r>
             <a:r>
               <a:rPr/>
@@ -5757,375 +4958,31 @@
             </a:r>
             <a:r>
               <a:rPr/>
-              <a:t>counts,</a:t>
-            </a:r>
-            <a:r>
-              <a:rPr/>
-              <a:t> </a:t>
-            </a:r>
-            <a:r>
-              <a:rPr/>
-              <a:t>switch</a:t>
-            </a:r>
-            <a:r>
-              <a:rPr/>
-              <a:t> </a:t>
-            </a:r>
-            <a:r>
-              <a:rPr/>
-              <a:t>the</a:t>
-            </a:r>
-            <a:r>
-              <a:rPr/>
-              <a:t> </a:t>
-            </a:r>
-            <a:r>
-              <a:rPr/>
-              <a:t>order</a:t>
-            </a:r>
-            <a:r>
-              <a:rPr/>
-              <a:t> </a:t>
-            </a:r>
-            <a:r>
-              <a:rPr/>
-              <a:t>of</a:t>
-            </a:r>
-            <a:r>
-              <a:rPr/>
-              <a:t> </a:t>
-            </a:r>
-            <a:r>
-              <a:rPr/>
-              <a:t>tables</a:t>
-            </a:r>
-            <a:r>
-              <a:rPr/>
-              <a:t> </a:t>
-            </a:r>
-            <a:r>
-              <a:rPr/>
-              <a:t>and</a:t>
-            </a:r>
-            <a:r>
-              <a:rPr/>
-              <a:t> </a:t>
-            </a:r>
-            <a:r>
-              <a:rPr/>
-              <a:t>use</a:t>
-            </a:r>
-            <a:r>
-              <a:rPr/>
-              <a:t> </a:t>
-            </a:r>
-            <a:r>
-              <a:rPr/>
-              <a:t>count(sex)</a:t>
-            </a:r>
-            <a:r>
-              <a:rPr/>
-              <a:t> </a:t>
-            </a:r>
-            <a:r>
-              <a:rPr/>
-              <a:t>rather</a:t>
-            </a:r>
-            <a:r>
-              <a:rPr/>
-              <a:t> </a:t>
-            </a:r>
-            <a:r>
-              <a:rPr/>
-              <a:t>than</a:t>
-            </a:r>
-            <a:r>
-              <a:rPr/>
-              <a:t> </a:t>
-            </a:r>
-            <a:r>
-              <a:rPr/>
-              <a:t>count(*).</a:t>
-            </a:r>
-            <a:r>
-              <a:rPr/>
-              <a:t> </a:t>
-            </a:r>
-            <a:r>
-              <a:rPr/>
-              <a:t>There</a:t>
-            </a:r>
-            <a:r>
-              <a:rPr/>
-              <a:t> </a:t>
-            </a:r>
-            <a:r>
-              <a:rPr/>
-              <a:t>will</a:t>
-            </a:r>
-            <a:r>
-              <a:rPr/>
-              <a:t> </a:t>
-            </a:r>
-            <a:r>
-              <a:rPr/>
-              <a:t>be</a:t>
-            </a:r>
-            <a:r>
-              <a:rPr/>
-              <a:t> </a:t>
-            </a:r>
-            <a:r>
-              <a:rPr/>
-              <a:t>one</a:t>
-            </a:r>
-            <a:r>
-              <a:rPr/>
-              <a:t> </a:t>
-            </a:r>
-            <a:r>
-              <a:rPr/>
-              <a:t>row</a:t>
-            </a:r>
-            <a:r>
-              <a:rPr/>
-              <a:t> </a:t>
-            </a:r>
-            <a:r>
-              <a:rPr/>
-              <a:t>in</a:t>
-            </a:r>
-            <a:r>
-              <a:rPr/>
-              <a:t> </a:t>
-            </a:r>
-            <a:r>
-              <a:rPr/>
-              <a:t>the</a:t>
-            </a:r>
-            <a:r>
-              <a:rPr/>
-              <a:t> </a:t>
-            </a:r>
-            <a:r>
-              <a:rPr/>
-              <a:t>database</a:t>
-            </a:r>
-            <a:r>
-              <a:rPr/>
-              <a:t> </a:t>
-            </a:r>
-            <a:r>
-              <a:rPr/>
-              <a:t>for</a:t>
-            </a:r>
-            <a:r>
-              <a:rPr/>
-              <a:t> </a:t>
-            </a:r>
-            <a:r>
-              <a:rPr/>
-              <a:t>the</a:t>
-            </a:r>
-            <a:r>
-              <a:rPr/>
-              <a:t> </a:t>
-            </a:r>
-            <a:r>
-              <a:rPr/>
-              <a:t>mismatch,</a:t>
-            </a:r>
-            <a:r>
-              <a:rPr/>
-              <a:t> </a:t>
-            </a:r>
-            <a:r>
-              <a:rPr/>
-              <a:t>but</a:t>
-            </a:r>
-            <a:r>
-              <a:rPr/>
-              <a:t> </a:t>
-            </a:r>
-            <a:r>
-              <a:rPr/>
-              <a:t>since</a:t>
-            </a:r>
-            <a:r>
-              <a:rPr/>
-              <a:t> </a:t>
-            </a:r>
-            <a:r>
-              <a:rPr/>
-              <a:t>that</a:t>
-            </a:r>
-            <a:r>
-              <a:rPr/>
-              <a:t> </a:t>
-            </a:r>
-            <a:r>
-              <a:rPr/>
-              <a:t>will</a:t>
-            </a:r>
-            <a:r>
-              <a:rPr/>
-              <a:t> </a:t>
-            </a:r>
-            <a:r>
-              <a:rPr/>
-              <a:t>have</a:t>
-            </a:r>
-            <a:r>
-              <a:rPr/>
-              <a:t> </a:t>
-            </a:r>
-            <a:r>
-              <a:rPr/>
-              <a:t>a</a:t>
-            </a:r>
-            <a:r>
-              <a:rPr/>
-              <a:t> </a:t>
-            </a:r>
-            <a:r>
-              <a:rPr/>
-              <a:t>missing</a:t>
-            </a:r>
-            <a:r>
-              <a:rPr/>
-              <a:t> </a:t>
-            </a:r>
-            <a:r>
-              <a:rPr/>
-              <a:t>value</a:t>
-            </a:r>
-            <a:r>
-              <a:rPr/>
-              <a:t> </a:t>
-            </a:r>
-            <a:r>
-              <a:rPr/>
-              <a:t>for</a:t>
-            </a:r>
-            <a:r>
-              <a:rPr/>
-              <a:t> </a:t>
-            </a:r>
-            <a:r>
-              <a:rPr/>
-              <a:t>sex,</a:t>
-            </a:r>
-            <a:r>
-              <a:rPr/>
-              <a:t> </a:t>
-            </a:r>
-            <a:r>
-              <a:rPr/>
-              <a:t>the</a:t>
-            </a:r>
-            <a:r>
-              <a:rPr/>
-              <a:t> </a:t>
-            </a:r>
-            <a:r>
-              <a:rPr/>
-              <a:t>count</a:t>
-            </a:r>
-            <a:r>
-              <a:rPr/>
-              <a:t> </a:t>
-            </a:r>
-            <a:r>
-              <a:rPr/>
-              <a:t>function</a:t>
-            </a:r>
-            <a:r>
-              <a:rPr/>
-              <a:t> </a:t>
-            </a:r>
-            <a:r>
-              <a:rPr/>
-              <a:t>will</a:t>
-            </a:r>
-            <a:r>
-              <a:rPr/>
-              <a:t> </a:t>
-            </a:r>
-            <a:r>
-              <a:rPr/>
-              <a:t>not</a:t>
-            </a:r>
-            <a:r>
-              <a:rPr/>
-              <a:t> </a:t>
-            </a:r>
-            <a:r>
-              <a:rPr/>
-              <a:t>register</a:t>
-            </a:r>
-            <a:r>
-              <a:rPr/>
-              <a:t> </a:t>
-            </a:r>
-            <a:r>
-              <a:rPr/>
-              <a:t>for</a:t>
-            </a:r>
-            <a:r>
-              <a:rPr/>
-              <a:t> </a:t>
-            </a:r>
-            <a:r>
-              <a:rPr/>
-              <a:t>that</a:t>
-            </a:r>
-            <a:r>
-              <a:rPr/>
-              <a:t> </a:t>
-            </a:r>
-            <a:r>
-              <a:rPr/>
-              <a:t>record,</a:t>
-            </a:r>
-            <a:r>
-              <a:rPr/>
-              <a:t> </a:t>
-            </a:r>
-            <a:r>
-              <a:rPr/>
-              <a:t>producing</a:t>
-            </a:r>
-            <a:r>
-              <a:rPr/>
-              <a:t> </a:t>
-            </a:r>
-            <a:r>
-              <a:rPr/>
-              <a:t>a</a:t>
-            </a:r>
-            <a:r>
-              <a:rPr/>
-              <a:t> </a:t>
-            </a:r>
-            <a:r>
-              <a:rPr/>
-              <a:t>count</a:t>
-            </a:r>
-            <a:r>
-              <a:rPr/>
-              <a:t> </a:t>
-            </a:r>
-            <a:r>
-              <a:rPr/>
-              <a:t>of</a:t>
-            </a:r>
-            <a:r>
-              <a:rPr/>
-              <a:t> </a:t>
-            </a:r>
-            <a:r>
-              <a:rPr/>
-              <a:t>0.</a:t>
+              <a:t>them</a:t>
+            </a:r>
+            <a:r>
+              <a:rPr/>
+              <a:t> </a:t>
+            </a:r>
+            <a:r>
+              <a:rPr/>
+              <a:t>on</a:t>
+            </a:r>
+            <a:r>
+              <a:rPr/>
+              <a:t> </a:t>
+            </a:r>
+            <a:r>
+              <a:rPr/>
+              <a:t>this</a:t>
+            </a:r>
+            <a:r>
+              <a:rPr/>
+              <a:t> </a:t>
+            </a:r>
+            <a:r>
+              <a:rPr/>
+              <a:t>slide.</a:t>
             </a:r>
           </a:p>
         </p:txBody>
@@ -9323,31 +8180,31 @@
             </a:pPr>
             <a:r>
               <a:rPr/>
-              <a:t>Count</a:t>
-            </a:r>
-            <a:r>
-              <a:rPr/>
-              <a:t> </a:t>
-            </a:r>
-            <a:r>
-              <a:rPr/>
-              <a:t>by</a:t>
-            </a:r>
-            <a:r>
-              <a:rPr/>
-              <a:t> </a:t>
-            </a:r>
-            <a:r>
-              <a:rPr/>
-              <a:t>gender</a:t>
-            </a:r>
-            <a:r>
-              <a:rPr/>
-              <a:t> </a:t>
-            </a:r>
-            <a:r>
-              <a:rPr/>
-              <a:t>(3/3)</a:t>
+              <a:t>Who,</a:t>
+            </a:r>
+            <a:r>
+              <a:rPr/>
+              <a:t> </a:t>
+            </a:r>
+            <a:r>
+              <a:rPr/>
+              <a:t>exactly,</a:t>
+            </a:r>
+            <a:r>
+              <a:rPr/>
+              <a:t> </a:t>
+            </a:r>
+            <a:r>
+              <a:rPr/>
+              <a:t>is</a:t>
+            </a:r>
+            <a:r>
+              <a:rPr/>
+              <a:t> </a:t>
+            </a:r>
+            <a:r>
+              <a:rPr/>
+              <a:t>mismatched?</a:t>
             </a:r>
           </a:p>
         </p:txBody>
@@ -9381,11 +8238,12 @@
               <a:rPr sz="1800">
                 <a:latin typeface="Courier"/>
               </a:rPr>
-              <a:t>select sex_label, count(sex) as n_sex
-  from sex_table
-  left join demog_table
-  on sex=sex_code
-  group by sex_label</a:t>
+              <a:t>select bas.id as mismatched_id
+  from baseline_table as bas
+  left join three_month_table as mo3
+  on bas.id=mo3.id
+  where mo3.id is null
+  limit 4</a:t>
             </a:r>
           </a:p>
           <a:p>
@@ -9403,10 +8261,11 @@
               <a:rPr sz="1800">
                 <a:latin typeface="Courier"/>
               </a:rPr>
-              <a:t>##   sex_label n_sex
-## 1    Female   337
-## 2      Male    64
-## 3   Unknown     0</a:t>
+              <a:t>##   mismatched_id
+## 1           100
+## 2           101
+## 3           104
+## 4           139</a:t>
             </a:r>
           </a:p>
         </p:txBody>
@@ -9453,31 +8312,23 @@
             </a:pPr>
             <a:r>
               <a:rPr/>
-              <a:t>Who,</a:t>
-            </a:r>
-            <a:r>
-              <a:rPr/>
-              <a:t> </a:t>
-            </a:r>
-            <a:r>
-              <a:rPr/>
-              <a:t>exactly,</a:t>
-            </a:r>
-            <a:r>
-              <a:rPr/>
-              <a:t> </a:t>
-            </a:r>
-            <a:r>
-              <a:rPr/>
-              <a:t>is</a:t>
-            </a:r>
-            <a:r>
-              <a:rPr/>
-              <a:t> </a:t>
-            </a:r>
-            <a:r>
-              <a:rPr/>
-              <a:t>mismatched?</a:t>
+              <a:t>Listing</a:t>
+            </a:r>
+            <a:r>
+              <a:rPr/>
+              <a:t> </a:t>
+            </a:r>
+            <a:r>
+              <a:rPr/>
+              <a:t>unmatched</a:t>
+            </a:r>
+            <a:r>
+              <a:rPr/>
+              <a:t> </a:t>
+            </a:r>
+            <a:r>
+              <a:rPr/>
+              <a:t>labels</a:t>
             </a:r>
           </a:p>
         </p:txBody>
@@ -9511,12 +8362,11 @@
               <a:rPr sz="1800">
                 <a:latin typeface="Courier"/>
               </a:rPr>
-              <a:t>select bas.id as mismatched_id
-  from baseline_table as bas
-  left join three_month_table as mo3
-  on bas.id=mo3.id
-  where mo3.id is null
-  limit 4</a:t>
+              <a:t>select sex_label as umatched_label
+  from sex_table
+  left join demog_table
+  on sex=sex_code
+  where sex is null</a:t>
             </a:r>
           </a:p>
           <a:p>
@@ -9534,11 +8384,8 @@
               <a:rPr sz="1800">
                 <a:latin typeface="Courier"/>
               </a:rPr>
-              <a:t>##   mismatched_id
-## 1           100
-## 2           101
-## 3           104
-## 4           139</a:t>
+              <a:t>##   umatched_label
+## 1        Unknown</a:t>
             </a:r>
           </a:p>
         </p:txBody>
@@ -9601,7 +8448,7 @@
             </a:r>
             <a:r>
               <a:rPr/>
-              <a:t>labels</a:t>
+              <a:t>codes</a:t>
             </a:r>
           </a:p>
         </p:txBody>
@@ -9635,11 +8482,11 @@
               <a:rPr sz="1800">
                 <a:latin typeface="Courier"/>
               </a:rPr>
-              <a:t>select sex_label as umatched_label
-  from sex_table
-  left join demog_table
+              <a:t>select sex as umatched_code
+  from demog_table
+  left join sex_table
   on sex=sex_code
-  where sex is null</a:t>
+  where sex_code is null</a:t>
             </a:r>
           </a:p>
           <a:p>
@@ -9657,8 +8504,8 @@
               <a:rPr sz="1800">
                 <a:latin typeface="Courier"/>
               </a:rPr>
-              <a:t>##   umatched_label
-## 1        Unknown</a:t>
+              <a:t>## [1] umatched_code
+## &lt;0 rows&gt; (or 0-length row.names)</a:t>
             </a:r>
           </a:p>
         </p:txBody>
@@ -9705,23 +8552,23 @@
             </a:pPr>
             <a:r>
               <a:rPr/>
-              <a:t>Listing</a:t>
-            </a:r>
-            <a:r>
-              <a:rPr/>
-              <a:t> </a:t>
-            </a:r>
-            <a:r>
-              <a:rPr/>
-              <a:t>unmatched</a:t>
-            </a:r>
-            <a:r>
-              <a:rPr/>
-              <a:t> </a:t>
-            </a:r>
-            <a:r>
-              <a:rPr/>
-              <a:t>codes</a:t>
+              <a:t>Compute</a:t>
+            </a:r>
+            <a:r>
+              <a:rPr/>
+              <a:t> </a:t>
+            </a:r>
+            <a:r>
+              <a:rPr/>
+              <a:t>change</a:t>
+            </a:r>
+            <a:r>
+              <a:rPr/>
+              <a:t> </a:t>
+            </a:r>
+            <a:r>
+              <a:rPr/>
+              <a:t>score</a:t>
             </a:r>
           </a:p>
         </p:txBody>
@@ -9755,11 +8602,11 @@
               <a:rPr sz="1800">
                 <a:latin typeface="Courier"/>
               </a:rPr>
-              <a:t>select sex as umatched_code
-  from demog_table
-  left join sex_table
-  on sex=sex_code
-  where sex_code is null</a:t>
+              <a:t>select pk1, pk2, pk2-pk1 as change_score
+  from baseline_table as bas
+  left join three_month_table as mo3
+  on bas.id=mo3.id
+  limit 5</a:t>
             </a:r>
           </a:p>
           <a:p>
@@ -9777,8 +8624,12 @@
               <a:rPr sz="1800">
                 <a:latin typeface="Courier"/>
               </a:rPr>
-              <a:t>## [1] umatched_code
-## &lt;0 rows&gt; (or 0-length row.names)</a:t>
+              <a:t>##     pk1  pk2 change_score
+## 1 10.75   NA           NA
+## 2  9.50   NA           NA
+## 3 16.00   NA           NA
+## 4 32.50 44.0         11.5
+## 5 16.50 17.5          1.0</a:t>
             </a:r>
           </a:p>
         </p:txBody>
@@ -9833,6 +8684,14 @@
             </a:r>
             <a:r>
               <a:rPr/>
+              <a:t>average</a:t>
+            </a:r>
+            <a:r>
+              <a:rPr/>
+              <a:t> </a:t>
+            </a:r>
+            <a:r>
+              <a:rPr/>
               <a:t>change</a:t>
             </a:r>
             <a:r>
@@ -9875,11 +8734,13 @@
               <a:rPr sz="1800">
                 <a:latin typeface="Courier"/>
               </a:rPr>
-              <a:t>select pk1, pk2, pk2-pk1 as change_score
+              <a:t>select 
+  round(avg(pk1), 1) as bas_mean, 
+  round(avg(pk2), 1) as mo3_mean, 
+  round(avg(pk2-pk1), 1) as mean_change
   from baseline_table as bas
   left join three_month_table as mo3
-  on bas.id=mo3.id
-  limit 5</a:t>
+  on bas.id=mo3.id</a:t>
             </a:r>
           </a:p>
           <a:p>
@@ -9897,12 +8758,8 @@
               <a:rPr sz="1800">
                 <a:latin typeface="Courier"/>
               </a:rPr>
-              <a:t>##     pk1  pk2 change_score
-## 1 10.75   NA           NA
-## 2  9.50   NA           NA
-## 3 16.00   NA           NA
-## 4 32.50 44.0         11.5
-## 5 16.50 17.5          1.0</a:t>
+              <a:t>##   bas_mean mo3_mean mean_change
+## 1     26.5     21.6        -4.7</a:t>
             </a:r>
           </a:p>
         </p:txBody>
@@ -9949,31 +8806,31 @@
             </a:pPr>
             <a:r>
               <a:rPr/>
-              <a:t>Compute</a:t>
-            </a:r>
-            <a:r>
-              <a:rPr/>
-              <a:t> </a:t>
-            </a:r>
-            <a:r>
-              <a:rPr/>
-              <a:t>average</a:t>
-            </a:r>
-            <a:r>
-              <a:rPr/>
-              <a:t> </a:t>
-            </a:r>
-            <a:r>
-              <a:rPr/>
-              <a:t>change</a:t>
-            </a:r>
-            <a:r>
-              <a:rPr/>
-              <a:t> </a:t>
-            </a:r>
-            <a:r>
-              <a:rPr/>
-              <a:t>score</a:t>
+              <a:t>Compare</a:t>
+            </a:r>
+            <a:r>
+              <a:rPr/>
+              <a:t> </a:t>
+            </a:r>
+            <a:r>
+              <a:rPr/>
+              <a:t>drop</a:t>
+            </a:r>
+            <a:r>
+              <a:rPr/>
+              <a:t> </a:t>
+            </a:r>
+            <a:r>
+              <a:rPr/>
+              <a:t>outs</a:t>
+            </a:r>
+            <a:r>
+              <a:rPr/>
+              <a:t> </a:t>
+            </a:r>
+            <a:r>
+              <a:rPr/>
+              <a:t>(1/3)</a:t>
             </a:r>
           </a:p>
         </p:txBody>
@@ -10007,10 +8864,7 @@
               <a:rPr sz="1800">
                 <a:latin typeface="Courier"/>
               </a:rPr>
-              <a:t>select 
-  round(avg(pk1), 1) as bas_mean, 
-  round(avg(pk2), 1) as mo3_mean, 
-  round(avg(pk2-pk1), 1) as mean_change
+              <a:t>select avg(pk1) as mean_baseline, count(*) as n
   from baseline_table as bas
   left join three_month_table as mo3
   on bas.id=mo3.id</a:t>
@@ -10031,8 +8885,8 @@
               <a:rPr sz="1800">
                 <a:latin typeface="Courier"/>
               </a:rPr>
-              <a:t>##   bas_mean mo3_mean mean_change
-## 1     26.5     21.6        -4.7</a:t>
+              <a:t>##   mean_baseline   n
+## 1      26.50998 401</a:t>
             </a:r>
           </a:p>
         </p:txBody>
@@ -10103,7 +8957,7 @@
             </a:r>
             <a:r>
               <a:rPr/>
-              <a:t>(1/3)</a:t>
+              <a:t>(2/3)</a:t>
             </a:r>
           </a:p>
         </p:txBody>
@@ -10140,7 +8994,8 @@
               <a:t>select avg(pk1) as mean_baseline, count(*) as n
   from baseline_table as bas
   left join three_month_table as mo3
-  on bas.id=mo3.id</a:t>
+  on bas.id=mo3.id
+  where mo3.id is null</a:t>
             </a:r>
           </a:p>
           <a:p>
@@ -10158,8 +9013,8 @@
               <a:rPr sz="1800">
                 <a:latin typeface="Courier"/>
               </a:rPr>
-              <a:t>##   mean_baseline   n
-## 1      26.50998 401</a:t>
+              <a:t>##   mean_baseline  n
+## 1      27.36667 75</a:t>
             </a:r>
           </a:p>
         </p:txBody>
@@ -10230,7 +9085,7 @@
             </a:r>
             <a:r>
               <a:rPr/>
-              <a:t>(2/3)</a:t>
+              <a:t>(3/3)</a:t>
             </a:r>
           </a:p>
         </p:txBody>
@@ -10268,7 +9123,7 @@
   from baseline_table as bas
   left join three_month_table as mo3
   on bas.id=mo3.id
-  where mo3.id is null</a:t>
+  where mo3.id is not null</a:t>
             </a:r>
           </a:p>
           <a:p>
@@ -10286,8 +9141,8 @@
               <a:rPr sz="1800">
                 <a:latin typeface="Courier"/>
               </a:rPr>
-              <a:t>##   mean_baseline  n
-## 1      27.36667 75</a:t>
+              <a:t>##   mean_baseline   n
+## 1      26.31288 326</a:t>
             </a:r>
           </a:p>
         </p:txBody>
@@ -10334,31 +9189,7 @@
             </a:pPr>
             <a:r>
               <a:rPr/>
-              <a:t>Compare</a:t>
-            </a:r>
-            <a:r>
-              <a:rPr/>
-              <a:t> </a:t>
-            </a:r>
-            <a:r>
-              <a:rPr/>
-              <a:t>drop</a:t>
-            </a:r>
-            <a:r>
-              <a:rPr/>
-              <a:t> </a:t>
-            </a:r>
-            <a:r>
-              <a:rPr/>
-              <a:t>outs</a:t>
-            </a:r>
-            <a:r>
-              <a:rPr/>
-              <a:t> </a:t>
-            </a:r>
-            <a:r>
-              <a:rPr/>
-              <a:t>(3/3)</a:t>
+              <a:t>Summary</a:t>
             </a:r>
           </a:p>
         </p:txBody>
@@ -10381,41 +9212,42 @@
             <a:pPr lvl="1"/>
             <a:r>
               <a:rPr/>
-              <a:t>SQL code</a:t>
-            </a:r>
-          </a:p>
-          <a:p>
-            <a:pPr lvl="0" marL="1270000" indent="0">
-              <a:buNone/>
-            </a:pPr>
-            <a:r>
-              <a:rPr sz="1800">
-                <a:latin typeface="Courier"/>
-              </a:rPr>
-              <a:t>select avg(pk1) as mean_baseline, count(*) as n
-  from baseline_table as bas
-  left join three_month_table as mo3
-  on bas.id=mo3.id
-  where mo3.id is not null</a:t>
+              <a:t>Counts are very important</a:t>
+            </a:r>
+          </a:p>
+          <a:p>
+            <a:pPr lvl="2"/>
+            <a:r>
+              <a:rPr/>
+              <a:t>Before AND after joins</a:t>
             </a:r>
           </a:p>
           <a:p>
             <a:pPr lvl="1"/>
             <a:r>
               <a:rPr/>
-              <a:t>SQL output</a:t>
-            </a:r>
-          </a:p>
-          <a:p>
-            <a:pPr lvl="0" marL="1270000" indent="0">
-              <a:buNone/>
-            </a:pPr>
-            <a:r>
-              <a:rPr sz="1800">
-                <a:latin typeface="Courier"/>
-              </a:rPr>
-              <a:t>##   mean_baseline   n
-## 1      26.31288 326</a:t>
+              <a:t>How to select ids of mismatched values</a:t>
+            </a:r>
+          </a:p>
+          <a:p>
+            <a:pPr lvl="1"/>
+            <a:r>
+              <a:rPr/>
+              <a:t>How to find mismatched category labels</a:t>
+            </a:r>
+          </a:p>
+          <a:p>
+            <a:pPr lvl="1"/>
+            <a:r>
+              <a:rPr/>
+              <a:t>How to compute change scores</a:t>
+            </a:r>
+          </a:p>
+          <a:p>
+            <a:pPr lvl="1"/>
+            <a:r>
+              <a:rPr/>
+              <a:t>Comparing averages of drop outs to others</a:t>
             </a:r>
           </a:p>
         </p:txBody>
@@ -10462,7 +9294,15 @@
             </a:pPr>
             <a:r>
               <a:rPr/>
-              <a:t>Summary</a:t>
+              <a:t>Homework</a:t>
+            </a:r>
+            <a:r>
+              <a:rPr/>
+              <a:t> </a:t>
+            </a:r>
+            <a:r>
+              <a:rPr/>
+              <a:t>(1/2)</a:t>
             </a:r>
           </a:p>
         </p:txBody>
@@ -10485,42 +9325,14 @@
             <a:pPr lvl="1"/>
             <a:r>
               <a:rPr/>
-              <a:t>Counts are very important</a:t>
-            </a:r>
-          </a:p>
-          <a:p>
-            <a:pPr lvl="2"/>
-            <a:r>
-              <a:rPr/>
-              <a:t>Before AND after joins</a:t>
+              <a:t>Use the same database used in this video. It is available as longitudinal_example_db.sqlite on the Canvas website or you can find it on the Insights platform.</a:t>
             </a:r>
           </a:p>
           <a:p>
             <a:pPr lvl="1"/>
             <a:r>
               <a:rPr/>
-              <a:t>How to select ids of mismatched values</a:t>
-            </a:r>
-          </a:p>
-          <a:p>
-            <a:pPr lvl="1"/>
-            <a:r>
-              <a:rPr/>
-              <a:t>How to find mismatched category labels</a:t>
-            </a:r>
-          </a:p>
-          <a:p>
-            <a:pPr lvl="1"/>
-            <a:r>
-              <a:rPr/>
-              <a:t>How to compute change scores</a:t>
-            </a:r>
-          </a:p>
-          <a:p>
-            <a:pPr lvl="1"/>
-            <a:r>
-              <a:rPr/>
-              <a:t>Comparing averages of drop outs to others</a:t>
+              <a:t>Count the number of records after an inner join of baseline_table and year_one_table. Compare this to the number of records in the year_one_table.</a:t>
             </a:r>
           </a:p>
         </p:txBody>
@@ -10567,15 +9379,23 @@
             </a:pPr>
             <a:r>
               <a:rPr/>
-              <a:t>Counting</a:t>
-            </a:r>
-            <a:r>
-              <a:rPr/>
-              <a:t> </a:t>
-            </a:r>
-            <a:r>
-              <a:rPr/>
-              <a:t>mismatches</a:t>
+              <a:t>List</a:t>
+            </a:r>
+            <a:r>
+              <a:rPr/>
+              <a:t> </a:t>
+            </a:r>
+            <a:r>
+              <a:rPr/>
+              <a:t>of</a:t>
+            </a:r>
+            <a:r>
+              <a:rPr/>
+              <a:t> </a:t>
+            </a:r>
+            <a:r>
+              <a:rPr/>
+              <a:t>tables</a:t>
             </a:r>
           </a:p>
         </p:txBody>
@@ -10595,38 +9415,21 @@
           <a:bodyPr/>
           <a:lstStyle/>
           <a:p>
-            <a:pPr lvl="1"/>
-            <a:r>
-              <a:rPr/>
-              <a:t>Summary statistics (like count) are tricky with joins</a:t>
-            </a:r>
-          </a:p>
-          <a:p>
-            <a:pPr lvl="2"/>
-            <a:r>
-              <a:rPr/>
-              <a:t>Default statistics computed before merge</a:t>
-            </a:r>
-          </a:p>
-          <a:p>
-            <a:pPr lvl="2"/>
-            <a:r>
-              <a:rPr/>
-              <a:t>Solution: use nested queries</a:t>
-            </a:r>
-          </a:p>
-          <a:p>
-            <a:pPr lvl="1"/>
-            <a:r>
-              <a:rPr/>
-              <a:t>Nested queries use parentheses to control the order of execution</a:t>
-            </a:r>
-          </a:p>
-          <a:p>
-            <a:pPr lvl="2"/>
-            <a:r>
-              <a:rPr/>
-              <a:t>Many applications beyond the ones shown in this video</a:t>
+            <a:pPr lvl="0" marL="1270000" indent="0">
+              <a:buNone/>
+            </a:pPr>
+            <a:r>
+              <a:rPr sz="1800">
+                <a:latin typeface="Courier"/>
+              </a:rPr>
+              <a:t>##            tbl_name
+## 1       demog_table
+## 2    baseline_table
+## 3 three_month_table
+## 4    one_year_table
+## 5         sex_table
+## 6    migraine_table
+## 7       group_table</a:t>
             </a:r>
           </a:p>
         </p:txBody>
@@ -10681,91 +9484,6 @@
             </a:r>
             <a:r>
               <a:rPr/>
-              <a:t>(1/2)</a:t>
-            </a:r>
-          </a:p>
-        </p:txBody>
-      </p:sp>
-      <p:sp>
-        <p:nvSpPr>
-          <p:cNvPr id="3" name="Content Placeholder 2"/>
-          <p:cNvSpPr>
-            <a:spLocks noGrp="1"/>
-          </p:cNvSpPr>
-          <p:nvPr>
-            <p:ph idx="1"/>
-          </p:nvPr>
-        </p:nvSpPr>
-        <p:spPr/>
-        <p:txBody>
-          <a:bodyPr/>
-          <a:lstStyle/>
-          <a:p>
-            <a:pPr lvl="1"/>
-            <a:r>
-              <a:rPr/>
-              <a:t>Use the same database used in this video. It is available as longitudinal_example_db.sqlite on the Canvas website or you can find it on the Insights platform.</a:t>
-            </a:r>
-          </a:p>
-          <a:p>
-            <a:pPr lvl="1"/>
-            <a:r>
-              <a:rPr/>
-              <a:t>Count the number of records after an inner join of baseline_table and year_one_table. Compare this to the number of records in the year_one_table.</a:t>
-            </a:r>
-          </a:p>
-        </p:txBody>
-      </p:sp>
-    </p:spTree>
-  </p:cSld>
-</p:sld>
-</file>
-
-<file path=ppt/slides/slide21.xml><?xml version="1.0" encoding="utf-8"?>
-<p:sld xmlns:a="http://schemas.openxmlformats.org/drawingml/2006/main" xmlns:r="http://schemas.openxmlformats.org/officeDocument/2006/relationships" xmlns:p="http://schemas.openxmlformats.org/presentationml/2006/main">
-  <p:cSld>
-    <p:spTree>
-      <p:nvGrpSpPr>
-        <p:cNvPr id="1" name=""/>
-        <p:cNvGrpSpPr/>
-        <p:nvPr/>
-      </p:nvGrpSpPr>
-      <p:grpSpPr>
-        <a:xfrm>
-          <a:off x="0" y="0"/>
-          <a:ext cx="0" cy="0"/>
-          <a:chOff x="0" y="0"/>
-          <a:chExt cx="0" cy="0"/>
-        </a:xfrm>
-      </p:grpSpPr>
-      <p:sp>
-        <p:nvSpPr>
-          <p:cNvPr id="2" name="Title 1"/>
-          <p:cNvSpPr>
-            <a:spLocks noGrp="1"/>
-          </p:cNvSpPr>
-          <p:nvPr>
-            <p:ph type="title"/>
-          </p:nvPr>
-        </p:nvSpPr>
-        <p:spPr/>
-        <p:txBody>
-          <a:bodyPr/>
-          <a:lstStyle/>
-          <a:p>
-            <a:pPr lvl="0" marL="0" indent="0">
-              <a:buNone/>
-            </a:pPr>
-            <a:r>
-              <a:rPr/>
-              <a:t>Homework</a:t>
-            </a:r>
-            <a:r>
-              <a:rPr/>
-              <a:t> </a:t>
-            </a:r>
-            <a:r>
-              <a:rPr/>
               <a:t>(2/2)</a:t>
             </a:r>
           </a:p>
@@ -10850,7 +9568,7 @@
             </a:pPr>
             <a:r>
               <a:rPr/>
-              <a:t>List</a:t>
+              <a:t>Count</a:t>
             </a:r>
             <a:r>
               <a:rPr/>
@@ -10866,7 +9584,7 @@
             </a:r>
             <a:r>
               <a:rPr/>
-              <a:t>tables</a:t>
+              <a:t>baseline_table</a:t>
             </a:r>
           </a:p>
         </p:txBody>
@@ -10885,6 +9603,13 @@
         <p:txBody>
           <a:bodyPr/>
           <a:lstStyle/>
+          <a:p>
+            <a:pPr lvl="1"/>
+            <a:r>
+              <a:rPr/>
+              <a:t>SQL code</a:t>
+            </a:r>
+          </a:p>
           <a:p>
             <a:pPr lvl="0" marL="1270000" indent="0">
               <a:buNone/>
@@ -10893,14 +9618,27 @@
               <a:rPr sz="1800">
                 <a:latin typeface="Courier"/>
               </a:rPr>
-              <a:t>##            tbl_name
-## 1       demog_table
-## 2    baseline_table
-## 3 three_month_table
-## 4    one_year_table
-## 5         sex_table
-## 6    migraine_table
-## 7       group_table</a:t>
+              <a:t>select count(*) as n_baseline
+  from baseline_table</a:t>
+            </a:r>
+          </a:p>
+          <a:p>
+            <a:pPr lvl="1"/>
+            <a:r>
+              <a:rPr/>
+              <a:t>SQL output</a:t>
+            </a:r>
+          </a:p>
+          <a:p>
+            <a:pPr lvl="0" marL="1270000" indent="0">
+              <a:buNone/>
+            </a:pPr>
+            <a:r>
+              <a:rPr sz="1800">
+                <a:latin typeface="Courier"/>
+              </a:rPr>
+              <a:t>##   n_baseline
+## 1        401</a:t>
             </a:r>
           </a:p>
         </p:txBody>
@@ -10963,7 +9701,7 @@
             </a:r>
             <a:r>
               <a:rPr/>
-              <a:t>baseline_table</a:t>
+              <a:t>three_month_table</a:t>
             </a:r>
           </a:p>
         </p:txBody>
@@ -10997,8 +9735,8 @@
               <a:rPr sz="1800">
                 <a:latin typeface="Courier"/>
               </a:rPr>
-              <a:t>select count(*) as n_baseline
-  from baseline_table</a:t>
+              <a:t>select count(*) as n_mo3
+  from three_month_table</a:t>
             </a:r>
           </a:p>
           <a:p>
@@ -11016,8 +9754,8 @@
               <a:rPr sz="1800">
                 <a:latin typeface="Courier"/>
               </a:rPr>
-              <a:t>##   n_baseline
-## 1        401</a:t>
+              <a:t>##   n_mo3
+## 1   326</a:t>
             </a:r>
           </a:p>
         </p:txBody>
@@ -11072,15 +9810,15 @@
             </a:r>
             <a:r>
               <a:rPr/>
-              <a:t>of</a:t>
-            </a:r>
-            <a:r>
-              <a:rPr/>
-              <a:t> </a:t>
-            </a:r>
-            <a:r>
-              <a:rPr/>
-              <a:t>three_month_table</a:t>
+              <a:t>inner</a:t>
+            </a:r>
+            <a:r>
+              <a:rPr/>
+              <a:t> </a:t>
+            </a:r>
+            <a:r>
+              <a:rPr/>
+              <a:t>join</a:t>
             </a:r>
           </a:p>
         </p:txBody>
@@ -11114,8 +9852,10 @@
               <a:rPr sz="1800">
                 <a:latin typeface="Courier"/>
               </a:rPr>
-              <a:t>select count(*) as n_mo3
-  from three_month_table</a:t>
+              <a:t>select count(*) as n_inner_join
+  from baseline_table as bas
+  inner join three_month_table as mo3
+  on bas.id=mo3.id</a:t>
             </a:r>
           </a:p>
           <a:p>
@@ -11133,8 +9873,8 @@
               <a:rPr sz="1800">
                 <a:latin typeface="Courier"/>
               </a:rPr>
-              <a:t>##   n_mo3
-## 1   326</a:t>
+              <a:t>##   n_inner_join
+## 1          326</a:t>
             </a:r>
           </a:p>
         </p:txBody>
@@ -11189,7 +9929,7 @@
             </a:r>
             <a:r>
               <a:rPr/>
-              <a:t>inner</a:t>
+              <a:t>left</a:t>
             </a:r>
             <a:r>
               <a:rPr/>
@@ -11231,9 +9971,9 @@
               <a:rPr sz="1800">
                 <a:latin typeface="Courier"/>
               </a:rPr>
-              <a:t>select count(*) as n_inner_join
+              <a:t>select count(*) as n_left_join
   from baseline_table as bas
-  inner join three_month_table as mo3
+  left join three_month_table as mo3
   on bas.id=mo3.id</a:t>
             </a:r>
           </a:p>
@@ -11252,8 +9992,8 @@
               <a:rPr sz="1800">
                 <a:latin typeface="Courier"/>
               </a:rPr>
-              <a:t>##   n_inner_join
-## 1          326</a:t>
+              <a:t>##   n_left_join
+## 1         401</a:t>
             </a:r>
           </a:p>
         </p:txBody>
@@ -11308,15 +10048,23 @@
             </a:r>
             <a:r>
               <a:rPr/>
-              <a:t>left</a:t>
-            </a:r>
-            <a:r>
-              <a:rPr/>
-              <a:t> </a:t>
-            </a:r>
-            <a:r>
-              <a:rPr/>
-              <a:t>join</a:t>
+              <a:t>by</a:t>
+            </a:r>
+            <a:r>
+              <a:rPr/>
+              <a:t> </a:t>
+            </a:r>
+            <a:r>
+              <a:rPr/>
+              <a:t>gender</a:t>
+            </a:r>
+            <a:r>
+              <a:rPr/>
+              <a:t> </a:t>
+            </a:r>
+            <a:r>
+              <a:rPr/>
+              <a:t>(1/3)</a:t>
             </a:r>
           </a:p>
         </p:txBody>
@@ -11350,10 +10098,9 @@
               <a:rPr sz="1800">
                 <a:latin typeface="Courier"/>
               </a:rPr>
-              <a:t>select count(*) as n_left_join
-  from baseline_table as bas
-  left join three_month_table as mo3
-  on bas.id=mo3.id</a:t>
+              <a:t>select sex, count(*) as n_sex
+  from demog_table
+  group by sex</a:t>
             </a:r>
           </a:p>
           <a:p>
@@ -11371,8 +10118,9 @@
               <a:rPr sz="1800">
                 <a:latin typeface="Courier"/>
               </a:rPr>
-              <a:t>##   n_left_join
-## 1         401</a:t>
+              <a:t>##   sex n_sex
+## 1   0    64
+## 2   1   337</a:t>
             </a:r>
           </a:p>
         </p:txBody>
@@ -11443,7 +10191,7 @@
             </a:r>
             <a:r>
               <a:rPr/>
-              <a:t>(1/3)</a:t>
+              <a:t>(2/3)</a:t>
             </a:r>
           </a:p>
         </p:txBody>
@@ -11477,9 +10225,11 @@
               <a:rPr sz="1800">
                 <a:latin typeface="Courier"/>
               </a:rPr>
-              <a:t>select sex, count(*) as n_sex
+              <a:t>select sex_label, count(*) as n_sex
   from demog_table
-  group by sex</a:t>
+  left join sex_table
+  on sex=sex_code
+  group by sex_label</a:t>
             </a:r>
           </a:p>
           <a:p>
@@ -11497,9 +10247,9 @@
               <a:rPr sz="1800">
                 <a:latin typeface="Courier"/>
               </a:rPr>
-              <a:t>##   sex n_sex
-## 1   0    64
-## 2   1   337</a:t>
+              <a:t>##   sex_label n_sex
+## 1    Female   337
+## 2      Male    64</a:t>
             </a:r>
           </a:p>
         </p:txBody>
@@ -11570,7 +10320,7 @@
             </a:r>
             <a:r>
               <a:rPr/>
-              <a:t>(2/3)</a:t>
+              <a:t>(3/3)</a:t>
             </a:r>
           </a:p>
         </p:txBody>
@@ -11604,9 +10354,9 @@
               <a:rPr sz="1800">
                 <a:latin typeface="Courier"/>
               </a:rPr>
-              <a:t>select sex_label, count(*) as n_sex
-  from demog_table
-  left join sex_table
+              <a:t>select sex_label, count(sex) as n_sex
+  from sex_table
+  left join demog_table
   on sex=sex_code
   group by sex_label</a:t>
             </a:r>
@@ -11628,7 +10378,8 @@
               </a:rPr>
               <a:t>##   sex_label n_sex
 ## 1    Female   337
-## 2      Male    64</a:t>
+## 2      Male    64
+## 3   Unknown     0</a:t>
             </a:r>
           </a:p>
         </p:txBody>
